--- a/Abstractive Tweet Summarisation2.pptx
+++ b/Abstractive Tweet Summarisation2.pptx
@@ -1,22 +1,21 @@
 
 <file path=ppt/presentation.xml><?xml version="1.0" encoding="utf-8"?>
-<p:presentation xmlns:a="http://schemas.openxmlformats.org/drawingml/2006/main" xmlns:r="http://schemas.openxmlformats.org/officeDocument/2006/relationships" xmlns:p="http://schemas.openxmlformats.org/presentationml/2006/main" saveSubsetFonts="1">
+<p:presentation xmlns:a="http://schemas.openxmlformats.org/drawingml/2006/main" xmlns:r="http://schemas.openxmlformats.org/officeDocument/2006/relationships" xmlns:p="http://schemas.openxmlformats.org/presentationml/2006/main">
   <p:sldMasterIdLst>
-    <p:sldMasterId id="2147483746" r:id="rId1"/>
+    <p:sldMasterId id="2147483648" r:id="rId1"/>
   </p:sldMasterIdLst>
   <p:notesMasterIdLst>
     <p:notesMasterId r:id="rId12"/>
   </p:notesMasterIdLst>
   <p:sldIdLst>
-    <p:sldId id="257" r:id="rId2"/>
-    <p:sldId id="258" r:id="rId3"/>
-    <p:sldId id="261" r:id="rId4"/>
-    <p:sldId id="262" r:id="rId5"/>
-    <p:sldId id="263" r:id="rId6"/>
-    <p:sldId id="264" r:id="rId7"/>
-    <p:sldId id="266" r:id="rId8"/>
-    <p:sldId id="265" r:id="rId9"/>
-    <p:sldId id="268" r:id="rId10"/>
+    <p:sldId id="257" r:id="rId3"/>
+    <p:sldId id="258" r:id="rId4"/>
+    <p:sldId id="261" r:id="rId5"/>
+    <p:sldId id="262" r:id="rId6"/>
+    <p:sldId id="263" r:id="rId7"/>
+    <p:sldId id="264" r:id="rId8"/>
+    <p:sldId id="270" r:id="rId9"/>
+    <p:sldId id="265" r:id="rId10"/>
     <p:sldId id="267" r:id="rId11"/>
   </p:sldIdLst>
   <p:sldSz cx="12192000" cy="6858000"/>
@@ -116,11 +115,6 @@
       </a:defRPr>
     </a:lvl9pPr>
   </p:defaultTextStyle>
-  <p:extLst>
-    <p:ext uri="{EFAFB233-063F-42B5-8137-9DF3F51BA10A}">
-      <p15:sldGuideLst xmlns:p15="http://schemas.microsoft.com/office/powerpoint/2012/main"/>
-    </p:ext>
-  </p:extLst>
 </p:presentation>
 </file>
 
@@ -206,7 +200,6 @@
           <a:p>
             <a:fld id="{7BF35AF0-DDEC-4817-92B8-89987DCCB9C7}" type="datetimeFigureOut">
               <a:rPr lang="en-IN" smtClean="0"/>
-              <a:t>04-05-2023</a:t>
             </a:fld>
             <a:endParaRPr lang="en-IN"/>
           </a:p>
@@ -273,6 +266,7 @@
               <a:rPr lang="en-US"/>
               <a:t>Click to edit Master text styles</a:t>
             </a:r>
+            <a:endParaRPr lang="en-US"/>
           </a:p>
           <a:p>
             <a:pPr lvl="1"/>
@@ -280,6 +274,7 @@
               <a:rPr lang="en-US"/>
               <a:t>Second level</a:t>
             </a:r>
+            <a:endParaRPr lang="en-US"/>
           </a:p>
           <a:p>
             <a:pPr lvl="2"/>
@@ -287,6 +282,7 @@
               <a:rPr lang="en-US"/>
               <a:t>Third level</a:t>
             </a:r>
+            <a:endParaRPr lang="en-US"/>
           </a:p>
           <a:p>
             <a:pPr lvl="3"/>
@@ -294,6 +290,7 @@
               <a:rPr lang="en-US"/>
               <a:t>Fourth level</a:t>
             </a:r>
+            <a:endParaRPr lang="en-US"/>
           </a:p>
           <a:p>
             <a:pPr lvl="4"/>
@@ -365,18 +362,12 @@
           <a:p>
             <a:fld id="{45DF9493-7304-4987-9A67-343340857FAA}" type="slidenum">
               <a:rPr lang="en-IN" smtClean="0"/>
-              <a:t>‹#›</a:t>
             </a:fld>
             <a:endParaRPr lang="en-IN"/>
           </a:p>
         </p:txBody>
       </p:sp>
     </p:spTree>
-    <p:extLst>
-      <p:ext uri="{BB962C8B-B14F-4D97-AF65-F5344CB8AC3E}">
-        <p14:creationId xmlns:p14="http://schemas.microsoft.com/office/powerpoint/2010/main" val="1076682599"/>
-      </p:ext>
-    </p:extLst>
   </p:cSld>
   <p:clrMap bg1="lt1" tx1="dk1" bg2="lt2" tx2="dk2" accent1="accent1" accent2="accent2" accent3="accent3" accent4="accent4" accent5="accent5" accent6="accent6" hlink="hlink" folHlink="folHlink"/>
   <p:notesStyle>
@@ -475,7 +466,7 @@
 </file>
 
 <file path=ppt/slideLayouts/slideLayout1.xml><?xml version="1.0" encoding="utf-8"?>
-<p:sldLayout xmlns:a="http://schemas.openxmlformats.org/drawingml/2006/main" xmlns:r="http://schemas.openxmlformats.org/officeDocument/2006/relationships" xmlns:p="http://schemas.openxmlformats.org/presentationml/2006/main" showMasterSp="0" type="title" preserve="1">
+<p:sldLayout xmlns:a="http://schemas.openxmlformats.org/drawingml/2006/main" xmlns:r="http://schemas.openxmlformats.org/officeDocument/2006/relationships" xmlns:p="http://schemas.openxmlformats.org/presentationml/2006/main" type="title" preserve="1" showMasterSp="0">
   <p:cSld name="Title Slide">
     <p:spTree>
       <p:nvGrpSpPr>
@@ -493,13 +484,7 @@
       </p:grpSpPr>
       <p:sp>
         <p:nvSpPr>
-          <p:cNvPr id="10" name="Rectangle 9">
-            <a:extLst>
-              <a:ext uri="{FF2B5EF4-FFF2-40B4-BE49-F238E27FC236}">
-                <a16:creationId xmlns:a16="http://schemas.microsoft.com/office/drawing/2014/main" id="{39E3965E-AC41-4711-9D10-E25ABB132D86}"/>
-              </a:ext>
-            </a:extLst>
-          </p:cNvPr>
+          <p:cNvPr id="10" name="Rectangle 9"/>
           <p:cNvSpPr/>
           <p:nvPr/>
         </p:nvSpPr>
@@ -653,13 +638,7 @@
       </p:sp>
       <p:cxnSp>
         <p:nvCxnSpPr>
-          <p:cNvPr id="9" name="Straight Connector 8">
-            <a:extLst>
-              <a:ext uri="{FF2B5EF4-FFF2-40B4-BE49-F238E27FC236}">
-                <a16:creationId xmlns:a16="http://schemas.microsoft.com/office/drawing/2014/main" id="{1F5DC8C3-BA5F-4EED-BB9A-A14272BD82A1}"/>
-              </a:ext>
-            </a:extLst>
-          </p:cNvPr>
+          <p:cNvPr id="9" name="Straight Connector 8"/>
           <p:cNvCxnSpPr/>
           <p:nvPr/>
         </p:nvCxnSpPr>
@@ -697,13 +676,7 @@
       </p:cxnSp>
       <p:sp>
         <p:nvSpPr>
-          <p:cNvPr id="4" name="Date Placeholder 3">
-            <a:extLst>
-              <a:ext uri="{FF2B5EF4-FFF2-40B4-BE49-F238E27FC236}">
-                <a16:creationId xmlns:a16="http://schemas.microsoft.com/office/drawing/2014/main" id="{9925CCF1-92C0-4AF3-BFAF-4921631915AB}"/>
-              </a:ext>
-            </a:extLst>
-          </p:cNvPr>
+          <p:cNvPr id="4" name="Date Placeholder 3"/>
           <p:cNvSpPr>
             <a:spLocks noGrp="1"/>
           </p:cNvSpPr>
@@ -718,7 +691,6 @@
           <a:p>
             <a:fld id="{2F911558-09DA-4A38-8333-86B9EE54A235}" type="datetime1">
               <a:rPr lang="en-US" smtClean="0"/>
-              <a:t>5/4/2023</a:t>
             </a:fld>
             <a:endParaRPr lang="en-US" dirty="0"/>
           </a:p>
@@ -726,13 +698,7 @@
       </p:sp>
       <p:sp>
         <p:nvSpPr>
-          <p:cNvPr id="5" name="Footer Placeholder 4">
-            <a:extLst>
-              <a:ext uri="{FF2B5EF4-FFF2-40B4-BE49-F238E27FC236}">
-                <a16:creationId xmlns:a16="http://schemas.microsoft.com/office/drawing/2014/main" id="{051A78A9-3DFF-4937-A9F2-5D8CF495F367}"/>
-              </a:ext>
-            </a:extLst>
-          </p:cNvPr>
+          <p:cNvPr id="5" name="Footer Placeholder 4"/>
           <p:cNvSpPr>
             <a:spLocks noGrp="1"/>
           </p:cNvSpPr>
@@ -755,13 +721,7 @@
       </p:sp>
       <p:sp>
         <p:nvSpPr>
-          <p:cNvPr id="6" name="Slide Number Placeholder 5">
-            <a:extLst>
-              <a:ext uri="{FF2B5EF4-FFF2-40B4-BE49-F238E27FC236}">
-                <a16:creationId xmlns:a16="http://schemas.microsoft.com/office/drawing/2014/main" id="{5FAEB271-5CC0-4759-BC6E-8BE53AB227C0}"/>
-              </a:ext>
-            </a:extLst>
-          </p:cNvPr>
+          <p:cNvPr id="6" name="Slide Number Placeholder 5"/>
           <p:cNvSpPr>
             <a:spLocks noGrp="1"/>
           </p:cNvSpPr>
@@ -776,18 +736,12 @@
           <a:p>
             <a:fld id="{3A98EE3D-8CD1-4C3F-BD1C-C98C9596463C}" type="slidenum">
               <a:rPr lang="en-US" smtClean="0"/>
-              <a:t>‹#›</a:t>
             </a:fld>
             <a:endParaRPr lang="en-US" dirty="0"/>
           </a:p>
         </p:txBody>
       </p:sp>
     </p:spTree>
-    <p:extLst>
-      <p:ext uri="{BB962C8B-B14F-4D97-AF65-F5344CB8AC3E}">
-        <p14:creationId xmlns:p14="http://schemas.microsoft.com/office/powerpoint/2010/main" val="4258331492"/>
-      </p:ext>
-    </p:extLst>
   </p:cSld>
   <p:clrMapOvr>
     <a:masterClrMapping/>
@@ -855,6 +809,7 @@
               <a:rPr lang="en-US"/>
               <a:t>Click to edit Master text styles</a:t>
             </a:r>
+            <a:endParaRPr lang="en-US"/>
           </a:p>
           <a:p>
             <a:pPr lvl="1"/>
@@ -862,6 +817,7 @@
               <a:rPr lang="en-US"/>
               <a:t>Second level</a:t>
             </a:r>
+            <a:endParaRPr lang="en-US"/>
           </a:p>
           <a:p>
             <a:pPr lvl="2"/>
@@ -869,6 +825,7 @@
               <a:rPr lang="en-US"/>
               <a:t>Third level</a:t>
             </a:r>
+            <a:endParaRPr lang="en-US"/>
           </a:p>
           <a:p>
             <a:pPr lvl="3"/>
@@ -876,6 +833,7 @@
               <a:rPr lang="en-US"/>
               <a:t>Fourth level</a:t>
             </a:r>
+            <a:endParaRPr lang="en-US"/>
           </a:p>
           <a:p>
             <a:pPr lvl="4"/>
@@ -889,13 +847,7 @@
       </p:sp>
       <p:sp>
         <p:nvSpPr>
-          <p:cNvPr id="7" name="Date Placeholder 6">
-            <a:extLst>
-              <a:ext uri="{FF2B5EF4-FFF2-40B4-BE49-F238E27FC236}">
-                <a16:creationId xmlns:a16="http://schemas.microsoft.com/office/drawing/2014/main" id="{7D5506EE-1026-4F35-9ACC-BD05BE0F9B36}"/>
-              </a:ext>
-            </a:extLst>
-          </p:cNvPr>
+          <p:cNvPr id="7" name="Date Placeholder 6"/>
           <p:cNvSpPr>
             <a:spLocks noGrp="1"/>
           </p:cNvSpPr>
@@ -910,7 +862,6 @@
           <a:p>
             <a:fld id="{0792038B-875A-4286-AF35-C74E1F7785EF}" type="datetime1">
               <a:rPr lang="en-US" smtClean="0"/>
-              <a:t>5/4/2023</a:t>
             </a:fld>
             <a:endParaRPr lang="en-US" dirty="0"/>
           </a:p>
@@ -918,13 +869,7 @@
       </p:sp>
       <p:sp>
         <p:nvSpPr>
-          <p:cNvPr id="8" name="Footer Placeholder 7">
-            <a:extLst>
-              <a:ext uri="{FF2B5EF4-FFF2-40B4-BE49-F238E27FC236}">
-                <a16:creationId xmlns:a16="http://schemas.microsoft.com/office/drawing/2014/main" id="{B7696E5F-8D95-4450-AE52-5438E6EDE2BF}"/>
-              </a:ext>
-            </a:extLst>
-          </p:cNvPr>
+          <p:cNvPr id="8" name="Footer Placeholder 7"/>
           <p:cNvSpPr>
             <a:spLocks noGrp="1"/>
           </p:cNvSpPr>
@@ -947,13 +892,7 @@
       </p:sp>
       <p:sp>
         <p:nvSpPr>
-          <p:cNvPr id="9" name="Slide Number Placeholder 8">
-            <a:extLst>
-              <a:ext uri="{FF2B5EF4-FFF2-40B4-BE49-F238E27FC236}">
-                <a16:creationId xmlns:a16="http://schemas.microsoft.com/office/drawing/2014/main" id="{999B2253-74CC-409E-BEB0-F8EFCFCB5629}"/>
-              </a:ext>
-            </a:extLst>
-          </p:cNvPr>
+          <p:cNvPr id="9" name="Slide Number Placeholder 8"/>
           <p:cNvSpPr>
             <a:spLocks noGrp="1"/>
           </p:cNvSpPr>
@@ -968,18 +907,12 @@
           <a:p>
             <a:fld id="{3A98EE3D-8CD1-4C3F-BD1C-C98C9596463C}" type="slidenum">
               <a:rPr lang="en-US" smtClean="0"/>
-              <a:t>‹#›</a:t>
             </a:fld>
             <a:endParaRPr lang="en-US" dirty="0"/>
           </a:p>
         </p:txBody>
       </p:sp>
     </p:spTree>
-    <p:extLst>
-      <p:ext uri="{BB962C8B-B14F-4D97-AF65-F5344CB8AC3E}">
-        <p14:creationId xmlns:p14="http://schemas.microsoft.com/office/powerpoint/2010/main" val="1672269861"/>
-      </p:ext>
-    </p:extLst>
   </p:cSld>
   <p:clrMapOvr>
     <a:masterClrMapping/>
@@ -988,7 +921,7 @@
 </file>
 
 <file path=ppt/slideLayouts/slideLayout11.xml><?xml version="1.0" encoding="utf-8"?>
-<p:sldLayout xmlns:a="http://schemas.openxmlformats.org/drawingml/2006/main" xmlns:r="http://schemas.openxmlformats.org/officeDocument/2006/relationships" xmlns:p="http://schemas.openxmlformats.org/presentationml/2006/main" showMasterSp="0" type="vertTitleAndTx" preserve="1">
+<p:sldLayout xmlns:a="http://schemas.openxmlformats.org/drawingml/2006/main" xmlns:r="http://schemas.openxmlformats.org/officeDocument/2006/relationships" xmlns:p="http://schemas.openxmlformats.org/presentationml/2006/main" type="vertTitleAndTx" preserve="1" showMasterSp="0">
   <p:cSld name="Vertical Title and Text">
     <p:spTree>
       <p:nvGrpSpPr>
@@ -1006,13 +939,7 @@
       </p:grpSpPr>
       <p:sp>
         <p:nvSpPr>
-          <p:cNvPr id="9" name="Rectangle 8">
-            <a:extLst>
-              <a:ext uri="{FF2B5EF4-FFF2-40B4-BE49-F238E27FC236}">
-                <a16:creationId xmlns:a16="http://schemas.microsoft.com/office/drawing/2014/main" id="{E1B68A5B-D9FA-424B-A4EB-30E7223836B3}"/>
-              </a:ext>
-            </a:extLst>
-          </p:cNvPr>
+          <p:cNvPr id="9" name="Rectangle 8"/>
           <p:cNvSpPr/>
           <p:nvPr/>
         </p:nvSpPr>
@@ -1101,6 +1028,7 @@
               <a:rPr lang="en-US"/>
               <a:t>Click to edit Master text styles</a:t>
             </a:r>
+            <a:endParaRPr lang="en-US"/>
           </a:p>
           <a:p>
             <a:pPr lvl="1"/>
@@ -1108,6 +1036,7 @@
               <a:rPr lang="en-US"/>
               <a:t>Second level</a:t>
             </a:r>
+            <a:endParaRPr lang="en-US"/>
           </a:p>
           <a:p>
             <a:pPr lvl="2"/>
@@ -1115,6 +1044,7 @@
               <a:rPr lang="en-US"/>
               <a:t>Third level</a:t>
             </a:r>
+            <a:endParaRPr lang="en-US"/>
           </a:p>
           <a:p>
             <a:pPr lvl="3"/>
@@ -1122,6 +1052,7 @@
               <a:rPr lang="en-US"/>
               <a:t>Fourth level</a:t>
             </a:r>
+            <a:endParaRPr lang="en-US"/>
           </a:p>
           <a:p>
             <a:pPr lvl="4"/>
@@ -1135,13 +1066,7 @@
       </p:sp>
       <p:sp>
         <p:nvSpPr>
-          <p:cNvPr id="7" name="Date Placeholder 6">
-            <a:extLst>
-              <a:ext uri="{FF2B5EF4-FFF2-40B4-BE49-F238E27FC236}">
-                <a16:creationId xmlns:a16="http://schemas.microsoft.com/office/drawing/2014/main" id="{AF33D6B0-F070-45C4-A472-19F432BE3932}"/>
-              </a:ext>
-            </a:extLst>
-          </p:cNvPr>
+          <p:cNvPr id="7" name="Date Placeholder 6"/>
           <p:cNvSpPr>
             <a:spLocks noGrp="1"/>
           </p:cNvSpPr>
@@ -1156,7 +1081,6 @@
           <a:p>
             <a:fld id="{CE4FD186-4B49-4FE7-AF1A-F7FEE8904972}" type="datetime1">
               <a:rPr lang="en-US" smtClean="0"/>
-              <a:t>5/4/2023</a:t>
             </a:fld>
             <a:endParaRPr lang="en-US" dirty="0"/>
           </a:p>
@@ -1164,13 +1088,7 @@
       </p:sp>
       <p:sp>
         <p:nvSpPr>
-          <p:cNvPr id="8" name="Footer Placeholder 7">
-            <a:extLst>
-              <a:ext uri="{FF2B5EF4-FFF2-40B4-BE49-F238E27FC236}">
-                <a16:creationId xmlns:a16="http://schemas.microsoft.com/office/drawing/2014/main" id="{9975399F-DAB2-410D-967F-ED17E6F796E7}"/>
-              </a:ext>
-            </a:extLst>
-          </p:cNvPr>
+          <p:cNvPr id="8" name="Footer Placeholder 7"/>
           <p:cNvSpPr>
             <a:spLocks noGrp="1"/>
           </p:cNvSpPr>
@@ -1193,13 +1111,7 @@
       </p:sp>
       <p:sp>
         <p:nvSpPr>
-          <p:cNvPr id="10" name="Slide Number Placeholder 9">
-            <a:extLst>
-              <a:ext uri="{FF2B5EF4-FFF2-40B4-BE49-F238E27FC236}">
-                <a16:creationId xmlns:a16="http://schemas.microsoft.com/office/drawing/2014/main" id="{F762A46F-6BE5-4D12-9412-5CA7672EA8EC}"/>
-              </a:ext>
-            </a:extLst>
-          </p:cNvPr>
+          <p:cNvPr id="10" name="Slide Number Placeholder 9"/>
           <p:cNvSpPr>
             <a:spLocks noGrp="1"/>
           </p:cNvSpPr>
@@ -1214,18 +1126,12 @@
           <a:p>
             <a:fld id="{3A98EE3D-8CD1-4C3F-BD1C-C98C9596463C}" type="slidenum">
               <a:rPr lang="en-US" smtClean="0"/>
-              <a:t>‹#›</a:t>
             </a:fld>
             <a:endParaRPr lang="en-US" dirty="0"/>
           </a:p>
         </p:txBody>
       </p:sp>
     </p:spTree>
-    <p:extLst>
-      <p:ext uri="{BB962C8B-B14F-4D97-AF65-F5344CB8AC3E}">
-        <p14:creationId xmlns:p14="http://schemas.microsoft.com/office/powerpoint/2010/main" val="761827292"/>
-      </p:ext>
-    </p:extLst>
   </p:cSld>
   <p:clrMapOvr>
     <a:masterClrMapping/>
@@ -1293,6 +1199,7 @@
               <a:rPr lang="en-US"/>
               <a:t>Click to edit Master text styles</a:t>
             </a:r>
+            <a:endParaRPr lang="en-US"/>
           </a:p>
           <a:p>
             <a:pPr lvl="1"/>
@@ -1300,6 +1207,7 @@
               <a:rPr lang="en-US"/>
               <a:t>Second level</a:t>
             </a:r>
+            <a:endParaRPr lang="en-US"/>
           </a:p>
           <a:p>
             <a:pPr lvl="2"/>
@@ -1307,6 +1215,7 @@
               <a:rPr lang="en-US"/>
               <a:t>Third level</a:t>
             </a:r>
+            <a:endParaRPr lang="en-US"/>
           </a:p>
           <a:p>
             <a:pPr lvl="3"/>
@@ -1314,6 +1223,7 @@
               <a:rPr lang="en-US"/>
               <a:t>Fourth level</a:t>
             </a:r>
+            <a:endParaRPr lang="en-US"/>
           </a:p>
           <a:p>
             <a:pPr lvl="4"/>
@@ -1327,13 +1237,7 @@
       </p:sp>
       <p:sp>
         <p:nvSpPr>
-          <p:cNvPr id="7" name="Date Placeholder 6">
-            <a:extLst>
-              <a:ext uri="{FF2B5EF4-FFF2-40B4-BE49-F238E27FC236}">
-                <a16:creationId xmlns:a16="http://schemas.microsoft.com/office/drawing/2014/main" id="{354D8B55-9EA8-4B81-8E84-9B93B0A27559}"/>
-              </a:ext>
-            </a:extLst>
-          </p:cNvPr>
+          <p:cNvPr id="7" name="Date Placeholder 6"/>
           <p:cNvSpPr>
             <a:spLocks noGrp="1"/>
           </p:cNvSpPr>
@@ -1348,7 +1252,6 @@
           <a:p>
             <a:fld id="{51253B92-2066-4866-8B99-4D551BFAE8C0}" type="datetime1">
               <a:rPr lang="en-US" smtClean="0"/>
-              <a:t>5/4/2023</a:t>
             </a:fld>
             <a:endParaRPr lang="en-US" dirty="0"/>
           </a:p>
@@ -1356,13 +1259,7 @@
       </p:sp>
       <p:sp>
         <p:nvSpPr>
-          <p:cNvPr id="8" name="Footer Placeholder 7">
-            <a:extLst>
-              <a:ext uri="{FF2B5EF4-FFF2-40B4-BE49-F238E27FC236}">
-                <a16:creationId xmlns:a16="http://schemas.microsoft.com/office/drawing/2014/main" id="{062CA021-2578-47CB-822C-BDDFF7223B28}"/>
-              </a:ext>
-            </a:extLst>
-          </p:cNvPr>
+          <p:cNvPr id="8" name="Footer Placeholder 7"/>
           <p:cNvSpPr>
             <a:spLocks noGrp="1"/>
           </p:cNvSpPr>
@@ -1385,13 +1282,7 @@
       </p:sp>
       <p:sp>
         <p:nvSpPr>
-          <p:cNvPr id="9" name="Slide Number Placeholder 8">
-            <a:extLst>
-              <a:ext uri="{FF2B5EF4-FFF2-40B4-BE49-F238E27FC236}">
-                <a16:creationId xmlns:a16="http://schemas.microsoft.com/office/drawing/2014/main" id="{C4AAB51D-4141-4682-9375-DAFD5FB9DD10}"/>
-              </a:ext>
-            </a:extLst>
-          </p:cNvPr>
+          <p:cNvPr id="9" name="Slide Number Placeholder 8"/>
           <p:cNvSpPr>
             <a:spLocks noGrp="1"/>
           </p:cNvSpPr>
@@ -1406,18 +1297,12 @@
           <a:p>
             <a:fld id="{3A98EE3D-8CD1-4C3F-BD1C-C98C9596463C}" type="slidenum">
               <a:rPr lang="en-US" smtClean="0"/>
-              <a:t>‹#›</a:t>
             </a:fld>
             <a:endParaRPr lang="en-US" dirty="0"/>
           </a:p>
         </p:txBody>
       </p:sp>
     </p:spTree>
-    <p:extLst>
-      <p:ext uri="{BB962C8B-B14F-4D97-AF65-F5344CB8AC3E}">
-        <p14:creationId xmlns:p14="http://schemas.microsoft.com/office/powerpoint/2010/main" val="892670607"/>
-      </p:ext>
-    </p:extLst>
   </p:cSld>
   <p:clrMapOvr>
     <a:masterClrMapping/>
@@ -1426,7 +1311,7 @@
 </file>
 
 <file path=ppt/slideLayouts/slideLayout3.xml><?xml version="1.0" encoding="utf-8"?>
-<p:sldLayout xmlns:a="http://schemas.openxmlformats.org/drawingml/2006/main" xmlns:r="http://schemas.openxmlformats.org/officeDocument/2006/relationships" xmlns:p="http://schemas.openxmlformats.org/presentationml/2006/main" showMasterSp="0" type="secHead" preserve="1">
+<p:sldLayout xmlns:a="http://schemas.openxmlformats.org/drawingml/2006/main" xmlns:r="http://schemas.openxmlformats.org/officeDocument/2006/relationships" xmlns:p="http://schemas.openxmlformats.org/presentationml/2006/main" type="secHead" preserve="1" showMasterSp="0">
   <p:cSld name="Section Header">
     <p:bg>
       <p:bgPr>
@@ -1452,13 +1337,7 @@
       </p:grpSpPr>
       <p:sp>
         <p:nvSpPr>
-          <p:cNvPr id="10" name="Rectangle 9">
-            <a:extLst>
-              <a:ext uri="{FF2B5EF4-FFF2-40B4-BE49-F238E27FC236}">
-                <a16:creationId xmlns:a16="http://schemas.microsoft.com/office/drawing/2014/main" id="{A585C21A-8B93-4657-B5DF-7EAEAD3BE127}"/>
-              </a:ext>
-            </a:extLst>
-          </p:cNvPr>
+          <p:cNvPr id="10" name="Rectangle 9"/>
           <p:cNvSpPr/>
           <p:nvPr/>
         </p:nvSpPr>
@@ -1655,18 +1534,13 @@
               <a:rPr lang="en-US"/>
               <a:t>Click to edit Master text styles</a:t>
             </a:r>
+            <a:endParaRPr lang="en-US"/>
           </a:p>
         </p:txBody>
       </p:sp>
       <p:cxnSp>
         <p:nvCxnSpPr>
-          <p:cNvPr id="9" name="Straight Connector 8">
-            <a:extLst>
-              <a:ext uri="{FF2B5EF4-FFF2-40B4-BE49-F238E27FC236}">
-                <a16:creationId xmlns:a16="http://schemas.microsoft.com/office/drawing/2014/main" id="{459DE2C1-4C52-40A3-8959-27B2C1BEBFF6}"/>
-              </a:ext>
-            </a:extLst>
-          </p:cNvPr>
+          <p:cNvPr id="9" name="Straight Connector 8"/>
           <p:cNvCxnSpPr/>
           <p:nvPr/>
         </p:nvCxnSpPr>
@@ -1704,13 +1578,7 @@
       </p:cxnSp>
       <p:sp>
         <p:nvSpPr>
-          <p:cNvPr id="7" name="Date Placeholder 6">
-            <a:extLst>
-              <a:ext uri="{FF2B5EF4-FFF2-40B4-BE49-F238E27FC236}">
-                <a16:creationId xmlns:a16="http://schemas.microsoft.com/office/drawing/2014/main" id="{AAF2E137-EC28-48F8-9198-1F02539029B6}"/>
-              </a:ext>
-            </a:extLst>
-          </p:cNvPr>
+          <p:cNvPr id="7" name="Date Placeholder 6"/>
           <p:cNvSpPr>
             <a:spLocks noGrp="1"/>
           </p:cNvSpPr>
@@ -1725,7 +1593,6 @@
           <a:p>
             <a:fld id="{EAF65934-C94D-47B7-AEEF-82A3FB25A1B7}" type="datetime1">
               <a:rPr lang="en-US" smtClean="0"/>
-              <a:t>5/4/2023</a:t>
             </a:fld>
             <a:endParaRPr lang="en-US" dirty="0"/>
           </a:p>
@@ -1733,13 +1600,7 @@
       </p:sp>
       <p:sp>
         <p:nvSpPr>
-          <p:cNvPr id="8" name="Footer Placeholder 7">
-            <a:extLst>
-              <a:ext uri="{FF2B5EF4-FFF2-40B4-BE49-F238E27FC236}">
-                <a16:creationId xmlns:a16="http://schemas.microsoft.com/office/drawing/2014/main" id="{189422CD-6F62-4DD6-89EF-07A60B42D219}"/>
-              </a:ext>
-            </a:extLst>
-          </p:cNvPr>
+          <p:cNvPr id="8" name="Footer Placeholder 7"/>
           <p:cNvSpPr>
             <a:spLocks noGrp="1"/>
           </p:cNvSpPr>
@@ -1762,13 +1623,7 @@
       </p:sp>
       <p:sp>
         <p:nvSpPr>
-          <p:cNvPr id="11" name="Slide Number Placeholder 10">
-            <a:extLst>
-              <a:ext uri="{FF2B5EF4-FFF2-40B4-BE49-F238E27FC236}">
-                <a16:creationId xmlns:a16="http://schemas.microsoft.com/office/drawing/2014/main" id="{69C6AFF8-42B4-4D05-969B-9F5FB3355555}"/>
-              </a:ext>
-            </a:extLst>
-          </p:cNvPr>
+          <p:cNvPr id="11" name="Slide Number Placeholder 10"/>
           <p:cNvSpPr>
             <a:spLocks noGrp="1"/>
           </p:cNvSpPr>
@@ -1783,18 +1638,12 @@
           <a:p>
             <a:fld id="{3A98EE3D-8CD1-4C3F-BD1C-C98C9596463C}" type="slidenum">
               <a:rPr lang="en-US" smtClean="0"/>
-              <a:t>‹#›</a:t>
             </a:fld>
             <a:endParaRPr lang="en-US" dirty="0"/>
           </a:p>
         </p:txBody>
       </p:sp>
     </p:spTree>
-    <p:extLst>
-      <p:ext uri="{BB962C8B-B14F-4D97-AF65-F5344CB8AC3E}">
-        <p14:creationId xmlns:p14="http://schemas.microsoft.com/office/powerpoint/2010/main" val="3304162564"/>
-      </p:ext>
-    </p:extLst>
   </p:cSld>
   <p:clrMapOvr>
     <a:masterClrMapping/>
@@ -1872,6 +1721,7 @@
               <a:rPr lang="en-US"/>
               <a:t>Click to edit Master text styles</a:t>
             </a:r>
+            <a:endParaRPr lang="en-US"/>
           </a:p>
           <a:p>
             <a:pPr lvl="1"/>
@@ -1879,6 +1729,7 @@
               <a:rPr lang="en-US"/>
               <a:t>Second level</a:t>
             </a:r>
+            <a:endParaRPr lang="en-US"/>
           </a:p>
           <a:p>
             <a:pPr lvl="2"/>
@@ -1886,6 +1737,7 @@
               <a:rPr lang="en-US"/>
               <a:t>Third level</a:t>
             </a:r>
+            <a:endParaRPr lang="en-US"/>
           </a:p>
           <a:p>
             <a:pPr lvl="3"/>
@@ -1893,6 +1745,7 @@
               <a:rPr lang="en-US"/>
               <a:t>Fourth level</a:t>
             </a:r>
+            <a:endParaRPr lang="en-US"/>
           </a:p>
           <a:p>
             <a:pPr lvl="4"/>
@@ -1929,6 +1782,7 @@
               <a:rPr lang="en-US"/>
               <a:t>Click to edit Master text styles</a:t>
             </a:r>
+            <a:endParaRPr lang="en-US"/>
           </a:p>
           <a:p>
             <a:pPr lvl="1"/>
@@ -1936,6 +1790,7 @@
               <a:rPr lang="en-US"/>
               <a:t>Second level</a:t>
             </a:r>
+            <a:endParaRPr lang="en-US"/>
           </a:p>
           <a:p>
             <a:pPr lvl="2"/>
@@ -1943,6 +1798,7 @@
               <a:rPr lang="en-US"/>
               <a:t>Third level</a:t>
             </a:r>
+            <a:endParaRPr lang="en-US"/>
           </a:p>
           <a:p>
             <a:pPr lvl="3"/>
@@ -1950,6 +1806,7 @@
               <a:rPr lang="en-US"/>
               <a:t>Fourth level</a:t>
             </a:r>
+            <a:endParaRPr lang="en-US"/>
           </a:p>
           <a:p>
             <a:pPr lvl="4"/>
@@ -1963,13 +1820,7 @@
       </p:sp>
       <p:sp>
         <p:nvSpPr>
-          <p:cNvPr id="2" name="Date Placeholder 1">
-            <a:extLst>
-              <a:ext uri="{FF2B5EF4-FFF2-40B4-BE49-F238E27FC236}">
-                <a16:creationId xmlns:a16="http://schemas.microsoft.com/office/drawing/2014/main" id="{5782D47D-B0DC-4C40-BCC6-BBBA32584A38}"/>
-              </a:ext>
-            </a:extLst>
-          </p:cNvPr>
+          <p:cNvPr id="2" name="Date Placeholder 1"/>
           <p:cNvSpPr>
             <a:spLocks noGrp="1"/>
           </p:cNvSpPr>
@@ -1984,7 +1835,6 @@
           <a:p>
             <a:fld id="{0F2B10F5-C9EC-4412-9963-CDCEE2542A12}" type="datetime1">
               <a:rPr lang="en-US" smtClean="0"/>
-              <a:t>5/4/2023</a:t>
             </a:fld>
             <a:endParaRPr lang="en-US" dirty="0"/>
           </a:p>
@@ -1992,13 +1842,7 @@
       </p:sp>
       <p:sp>
         <p:nvSpPr>
-          <p:cNvPr id="9" name="Footer Placeholder 8">
-            <a:extLst>
-              <a:ext uri="{FF2B5EF4-FFF2-40B4-BE49-F238E27FC236}">
-                <a16:creationId xmlns:a16="http://schemas.microsoft.com/office/drawing/2014/main" id="{4690D34E-7EBD-44B2-83CA-4C126A18D7EF}"/>
-              </a:ext>
-            </a:extLst>
-          </p:cNvPr>
+          <p:cNvPr id="9" name="Footer Placeholder 8"/>
           <p:cNvSpPr>
             <a:spLocks noGrp="1"/>
           </p:cNvSpPr>
@@ -2021,13 +1865,7 @@
       </p:sp>
       <p:sp>
         <p:nvSpPr>
-          <p:cNvPr id="10" name="Slide Number Placeholder 9">
-            <a:extLst>
-              <a:ext uri="{FF2B5EF4-FFF2-40B4-BE49-F238E27FC236}">
-                <a16:creationId xmlns:a16="http://schemas.microsoft.com/office/drawing/2014/main" id="{2AC511A1-9BBD-42DE-92FB-2AF44F8E97A9}"/>
-              </a:ext>
-            </a:extLst>
-          </p:cNvPr>
+          <p:cNvPr id="10" name="Slide Number Placeholder 9"/>
           <p:cNvSpPr>
             <a:spLocks noGrp="1"/>
           </p:cNvSpPr>
@@ -2042,18 +1880,12 @@
           <a:p>
             <a:fld id="{3A98EE3D-8CD1-4C3F-BD1C-C98C9596463C}" type="slidenum">
               <a:rPr lang="en-US" smtClean="0"/>
-              <a:t>‹#›</a:t>
             </a:fld>
             <a:endParaRPr lang="en-US" dirty="0"/>
           </a:p>
         </p:txBody>
       </p:sp>
     </p:spTree>
-    <p:extLst>
-      <p:ext uri="{BB962C8B-B14F-4D97-AF65-F5344CB8AC3E}">
-        <p14:creationId xmlns:p14="http://schemas.microsoft.com/office/powerpoint/2010/main" val="4256663047"/>
-      </p:ext>
-    </p:extLst>
   </p:cSld>
   <p:clrMapOvr>
     <a:masterClrMapping/>
@@ -2174,6 +2006,7 @@
               <a:rPr lang="en-US"/>
               <a:t>Click to edit Master text styles</a:t>
             </a:r>
+            <a:endParaRPr lang="en-US"/>
           </a:p>
         </p:txBody>
       </p:sp>
@@ -2202,6 +2035,7 @@
               <a:rPr lang="en-US"/>
               <a:t>Click to edit Master text styles</a:t>
             </a:r>
+            <a:endParaRPr lang="en-US"/>
           </a:p>
           <a:p>
             <a:pPr lvl="1"/>
@@ -2209,6 +2043,7 @@
               <a:rPr lang="en-US"/>
               <a:t>Second level</a:t>
             </a:r>
+            <a:endParaRPr lang="en-US"/>
           </a:p>
           <a:p>
             <a:pPr lvl="2"/>
@@ -2216,6 +2051,7 @@
               <a:rPr lang="en-US"/>
               <a:t>Third level</a:t>
             </a:r>
+            <a:endParaRPr lang="en-US"/>
           </a:p>
           <a:p>
             <a:pPr lvl="3"/>
@@ -2223,6 +2059,7 @@
               <a:rPr lang="en-US"/>
               <a:t>Fourth level</a:t>
             </a:r>
+            <a:endParaRPr lang="en-US"/>
           </a:p>
           <a:p>
             <a:pPr lvl="4"/>
@@ -2302,6 +2139,7 @@
               <a:rPr lang="en-US"/>
               <a:t>Click to edit Master text styles</a:t>
             </a:r>
+            <a:endParaRPr lang="en-US"/>
           </a:p>
         </p:txBody>
       </p:sp>
@@ -2330,6 +2168,7 @@
               <a:rPr lang="en-US"/>
               <a:t>Click to edit Master text styles</a:t>
             </a:r>
+            <a:endParaRPr lang="en-US"/>
           </a:p>
           <a:p>
             <a:pPr lvl="1"/>
@@ -2337,6 +2176,7 @@
               <a:rPr lang="en-US"/>
               <a:t>Second level</a:t>
             </a:r>
+            <a:endParaRPr lang="en-US"/>
           </a:p>
           <a:p>
             <a:pPr lvl="2"/>
@@ -2344,6 +2184,7 @@
               <a:rPr lang="en-US"/>
               <a:t>Third level</a:t>
             </a:r>
+            <a:endParaRPr lang="en-US"/>
           </a:p>
           <a:p>
             <a:pPr lvl="3"/>
@@ -2351,6 +2192,7 @@
               <a:rPr lang="en-US"/>
               <a:t>Fourth level</a:t>
             </a:r>
+            <a:endParaRPr lang="en-US"/>
           </a:p>
           <a:p>
             <a:pPr lvl="4"/>
@@ -2364,13 +2206,7 @@
       </p:sp>
       <p:sp>
         <p:nvSpPr>
-          <p:cNvPr id="2" name="Date Placeholder 1">
-            <a:extLst>
-              <a:ext uri="{FF2B5EF4-FFF2-40B4-BE49-F238E27FC236}">
-                <a16:creationId xmlns:a16="http://schemas.microsoft.com/office/drawing/2014/main" id="{8AF8A515-AA94-45D1-9223-5C2272618D85}"/>
-              </a:ext>
-            </a:extLst>
-          </p:cNvPr>
+          <p:cNvPr id="2" name="Date Placeholder 1"/>
           <p:cNvSpPr>
             <a:spLocks noGrp="1"/>
           </p:cNvSpPr>
@@ -2385,7 +2221,6 @@
           <a:p>
             <a:fld id="{6AAEC36E-9D8B-4755-ADFC-362CB0A05DEC}" type="datetime1">
               <a:rPr lang="en-US" smtClean="0"/>
-              <a:t>5/4/2023</a:t>
             </a:fld>
             <a:endParaRPr lang="en-US" dirty="0"/>
           </a:p>
@@ -2393,13 +2228,7 @@
       </p:sp>
       <p:sp>
         <p:nvSpPr>
-          <p:cNvPr id="11" name="Footer Placeholder 10">
-            <a:extLst>
-              <a:ext uri="{FF2B5EF4-FFF2-40B4-BE49-F238E27FC236}">
-                <a16:creationId xmlns:a16="http://schemas.microsoft.com/office/drawing/2014/main" id="{D052F5BC-98E0-4D60-AD67-9547738B7DD4}"/>
-              </a:ext>
-            </a:extLst>
-          </p:cNvPr>
+          <p:cNvPr id="11" name="Footer Placeholder 10"/>
           <p:cNvSpPr>
             <a:spLocks noGrp="1"/>
           </p:cNvSpPr>
@@ -2422,13 +2251,7 @@
       </p:sp>
       <p:sp>
         <p:nvSpPr>
-          <p:cNvPr id="12" name="Slide Number Placeholder 11">
-            <a:extLst>
-              <a:ext uri="{FF2B5EF4-FFF2-40B4-BE49-F238E27FC236}">
-                <a16:creationId xmlns:a16="http://schemas.microsoft.com/office/drawing/2014/main" id="{A38552DC-952E-41EA-AAAF-C2187523C0B0}"/>
-              </a:ext>
-            </a:extLst>
-          </p:cNvPr>
+          <p:cNvPr id="12" name="Slide Number Placeholder 11"/>
           <p:cNvSpPr>
             <a:spLocks noGrp="1"/>
           </p:cNvSpPr>
@@ -2443,18 +2266,12 @@
           <a:p>
             <a:fld id="{3A98EE3D-8CD1-4C3F-BD1C-C98C9596463C}" type="slidenum">
               <a:rPr lang="en-US" smtClean="0"/>
-              <a:t>‹#›</a:t>
             </a:fld>
             <a:endParaRPr lang="en-US" dirty="0"/>
           </a:p>
         </p:txBody>
       </p:sp>
     </p:spTree>
-    <p:extLst>
-      <p:ext uri="{BB962C8B-B14F-4D97-AF65-F5344CB8AC3E}">
-        <p14:creationId xmlns:p14="http://schemas.microsoft.com/office/powerpoint/2010/main" val="3068194699"/>
-      </p:ext>
-    </p:extLst>
   </p:cSld>
   <p:clrMapOvr>
     <a:masterClrMapping/>
@@ -2504,13 +2321,7 @@
       </p:sp>
       <p:sp>
         <p:nvSpPr>
-          <p:cNvPr id="6" name="Date Placeholder 5">
-            <a:extLst>
-              <a:ext uri="{FF2B5EF4-FFF2-40B4-BE49-F238E27FC236}">
-                <a16:creationId xmlns:a16="http://schemas.microsoft.com/office/drawing/2014/main" id="{7392073F-158F-44A3-8913-917AFFC1BC20}"/>
-              </a:ext>
-            </a:extLst>
-          </p:cNvPr>
+          <p:cNvPr id="6" name="Date Placeholder 5"/>
           <p:cNvSpPr>
             <a:spLocks noGrp="1"/>
           </p:cNvSpPr>
@@ -2525,7 +2336,6 @@
           <a:p>
             <a:fld id="{E3C7DC77-075C-435E-A153-892E4FC9BCCA}" type="datetime1">
               <a:rPr lang="en-US" smtClean="0"/>
-              <a:t>5/4/2023</a:t>
             </a:fld>
             <a:endParaRPr lang="en-US" dirty="0"/>
           </a:p>
@@ -2533,13 +2343,7 @@
       </p:sp>
       <p:sp>
         <p:nvSpPr>
-          <p:cNvPr id="7" name="Footer Placeholder 6">
-            <a:extLst>
-              <a:ext uri="{FF2B5EF4-FFF2-40B4-BE49-F238E27FC236}">
-                <a16:creationId xmlns:a16="http://schemas.microsoft.com/office/drawing/2014/main" id="{EED72207-24CA-42B7-A975-2F8E41CBA904}"/>
-              </a:ext>
-            </a:extLst>
-          </p:cNvPr>
+          <p:cNvPr id="7" name="Footer Placeholder 6"/>
           <p:cNvSpPr>
             <a:spLocks noGrp="1"/>
           </p:cNvSpPr>
@@ -2562,13 +2366,7 @@
       </p:sp>
       <p:sp>
         <p:nvSpPr>
-          <p:cNvPr id="8" name="Slide Number Placeholder 7">
-            <a:extLst>
-              <a:ext uri="{FF2B5EF4-FFF2-40B4-BE49-F238E27FC236}">
-                <a16:creationId xmlns:a16="http://schemas.microsoft.com/office/drawing/2014/main" id="{D01080F2-251A-4B88-9A62-16F46D724F83}"/>
-              </a:ext>
-            </a:extLst>
-          </p:cNvPr>
+          <p:cNvPr id="8" name="Slide Number Placeholder 7"/>
           <p:cNvSpPr>
             <a:spLocks noGrp="1"/>
           </p:cNvSpPr>
@@ -2583,18 +2381,12 @@
           <a:p>
             <a:fld id="{3A98EE3D-8CD1-4C3F-BD1C-C98C9596463C}" type="slidenum">
               <a:rPr lang="en-US" smtClean="0"/>
-              <a:t>‹#›</a:t>
             </a:fld>
             <a:endParaRPr lang="en-US" dirty="0"/>
           </a:p>
         </p:txBody>
       </p:sp>
     </p:spTree>
-    <p:extLst>
-      <p:ext uri="{BB962C8B-B14F-4D97-AF65-F5344CB8AC3E}">
-        <p14:creationId xmlns:p14="http://schemas.microsoft.com/office/powerpoint/2010/main" val="811860513"/>
-      </p:ext>
-    </p:extLst>
   </p:cSld>
   <p:clrMapOvr>
     <a:masterClrMapping/>
@@ -2603,7 +2395,7 @@
 </file>
 
 <file path=ppt/slideLayouts/slideLayout7.xml><?xml version="1.0" encoding="utf-8"?>
-<p:sldLayout xmlns:a="http://schemas.openxmlformats.org/drawingml/2006/main" xmlns:r="http://schemas.openxmlformats.org/officeDocument/2006/relationships" xmlns:p="http://schemas.openxmlformats.org/presentationml/2006/main" showMasterSp="0" type="blank" preserve="1">
+<p:sldLayout xmlns:a="http://schemas.openxmlformats.org/drawingml/2006/main" xmlns:r="http://schemas.openxmlformats.org/officeDocument/2006/relationships" xmlns:p="http://schemas.openxmlformats.org/presentationml/2006/main" type="blank" preserve="1" showMasterSp="0">
   <p:cSld name="Blank">
     <p:spTree>
       <p:nvGrpSpPr>
@@ -2621,13 +2413,7 @@
       </p:grpSpPr>
       <p:sp>
         <p:nvSpPr>
-          <p:cNvPr id="10" name="Rectangle 9">
-            <a:extLst>
-              <a:ext uri="{FF2B5EF4-FFF2-40B4-BE49-F238E27FC236}">
-                <a16:creationId xmlns:a16="http://schemas.microsoft.com/office/drawing/2014/main" id="{A8E9C91B-7EAD-4562-AB0E-DFB9663AECE3}"/>
-              </a:ext>
-            </a:extLst>
-          </p:cNvPr>
+          <p:cNvPr id="10" name="Rectangle 9"/>
           <p:cNvSpPr/>
           <p:nvPr/>
         </p:nvSpPr>
@@ -2665,13 +2451,7 @@
       </p:sp>
       <p:sp>
         <p:nvSpPr>
-          <p:cNvPr id="2" name="Date Placeholder 1">
-            <a:extLst>
-              <a:ext uri="{FF2B5EF4-FFF2-40B4-BE49-F238E27FC236}">
-                <a16:creationId xmlns:a16="http://schemas.microsoft.com/office/drawing/2014/main" id="{94E9223F-721F-47BF-9FD5-0F8D12FF0DE1}"/>
-              </a:ext>
-            </a:extLst>
-          </p:cNvPr>
+          <p:cNvPr id="2" name="Date Placeholder 1"/>
           <p:cNvSpPr>
             <a:spLocks noGrp="1"/>
           </p:cNvSpPr>
@@ -2686,7 +2466,6 @@
           <a:p>
             <a:fld id="{CD45A867-EF12-4CA3-9070-6F02EC772553}" type="datetime1">
               <a:rPr lang="en-US" smtClean="0"/>
-              <a:t>5/4/2023</a:t>
             </a:fld>
             <a:endParaRPr lang="en-US" dirty="0"/>
           </a:p>
@@ -2694,13 +2473,7 @@
       </p:sp>
       <p:sp>
         <p:nvSpPr>
-          <p:cNvPr id="3" name="Footer Placeholder 2">
-            <a:extLst>
-              <a:ext uri="{FF2B5EF4-FFF2-40B4-BE49-F238E27FC236}">
-                <a16:creationId xmlns:a16="http://schemas.microsoft.com/office/drawing/2014/main" id="{05915714-6BBA-4593-8591-4E26F7D58D9F}"/>
-              </a:ext>
-            </a:extLst>
-          </p:cNvPr>
+          <p:cNvPr id="3" name="Footer Placeholder 2"/>
           <p:cNvSpPr>
             <a:spLocks noGrp="1"/>
           </p:cNvSpPr>
@@ -2723,13 +2496,7 @@
       </p:sp>
       <p:sp>
         <p:nvSpPr>
-          <p:cNvPr id="4" name="Slide Number Placeholder 3">
-            <a:extLst>
-              <a:ext uri="{FF2B5EF4-FFF2-40B4-BE49-F238E27FC236}">
-                <a16:creationId xmlns:a16="http://schemas.microsoft.com/office/drawing/2014/main" id="{BE06F857-D2E1-44DD-ABDD-EBB739645B67}"/>
-              </a:ext>
-            </a:extLst>
-          </p:cNvPr>
+          <p:cNvPr id="4" name="Slide Number Placeholder 3"/>
           <p:cNvSpPr>
             <a:spLocks noGrp="1"/>
           </p:cNvSpPr>
@@ -2744,18 +2511,12 @@
           <a:p>
             <a:fld id="{3A98EE3D-8CD1-4C3F-BD1C-C98C9596463C}" type="slidenum">
               <a:rPr lang="en-US" smtClean="0"/>
-              <a:t>‹#›</a:t>
             </a:fld>
             <a:endParaRPr lang="en-US" dirty="0"/>
           </a:p>
         </p:txBody>
       </p:sp>
     </p:spTree>
-    <p:extLst>
-      <p:ext uri="{BB962C8B-B14F-4D97-AF65-F5344CB8AC3E}">
-        <p14:creationId xmlns:p14="http://schemas.microsoft.com/office/powerpoint/2010/main" val="2001422672"/>
-      </p:ext>
-    </p:extLst>
   </p:cSld>
   <p:clrMapOvr>
     <a:masterClrMapping/>
@@ -2764,7 +2525,7 @@
 </file>
 
 <file path=ppt/slideLayouts/slideLayout8.xml><?xml version="1.0" encoding="utf-8"?>
-<p:sldLayout xmlns:a="http://schemas.openxmlformats.org/drawingml/2006/main" xmlns:r="http://schemas.openxmlformats.org/officeDocument/2006/relationships" xmlns:p="http://schemas.openxmlformats.org/presentationml/2006/main" showMasterSp="0" type="objTx" preserve="1">
+<p:sldLayout xmlns:a="http://schemas.openxmlformats.org/drawingml/2006/main" xmlns:r="http://schemas.openxmlformats.org/officeDocument/2006/relationships" xmlns:p="http://schemas.openxmlformats.org/presentationml/2006/main" type="objTx" preserve="1" showMasterSp="0">
   <p:cSld name="Content with Caption">
     <p:spTree>
       <p:nvGrpSpPr>
@@ -2782,13 +2543,7 @@
       </p:grpSpPr>
       <p:sp>
         <p:nvSpPr>
-          <p:cNvPr id="8" name="Rectangle 7">
-            <a:extLst>
-              <a:ext uri="{FF2B5EF4-FFF2-40B4-BE49-F238E27FC236}">
-                <a16:creationId xmlns:a16="http://schemas.microsoft.com/office/drawing/2014/main" id="{16D90D66-BCB9-4229-A829-628874352AC0}"/>
-              </a:ext>
-            </a:extLst>
-          </p:cNvPr>
+          <p:cNvPr id="8" name="Rectangle 7"/>
           <p:cNvSpPr/>
           <p:nvPr/>
         </p:nvSpPr>
@@ -2890,6 +2645,7 @@
               <a:rPr lang="en-US"/>
               <a:t>Click to edit Master text styles</a:t>
             </a:r>
+            <a:endParaRPr lang="en-US"/>
           </a:p>
           <a:p>
             <a:pPr lvl="1"/>
@@ -2897,6 +2653,7 @@
               <a:rPr lang="en-US"/>
               <a:t>Second level</a:t>
             </a:r>
+            <a:endParaRPr lang="en-US"/>
           </a:p>
           <a:p>
             <a:pPr lvl="2"/>
@@ -2904,6 +2661,7 @@
               <a:rPr lang="en-US"/>
               <a:t>Third level</a:t>
             </a:r>
+            <a:endParaRPr lang="en-US"/>
           </a:p>
           <a:p>
             <a:pPr lvl="3"/>
@@ -2911,6 +2669,7 @@
               <a:rPr lang="en-US"/>
               <a:t>Fourth level</a:t>
             </a:r>
+            <a:endParaRPr lang="en-US"/>
           </a:p>
           <a:p>
             <a:pPr lvl="4"/>
@@ -2990,6 +2749,7 @@
               <a:rPr lang="en-US"/>
               <a:t>Click to edit Master text styles</a:t>
             </a:r>
+            <a:endParaRPr lang="en-US"/>
           </a:p>
         </p:txBody>
       </p:sp>
@@ -3019,7 +2779,6 @@
           <a:p>
             <a:fld id="{7280C9D0-0E65-4BF5-9D44-617CB2121EEA}" type="datetime1">
               <a:rPr lang="en-US" smtClean="0"/>
-              <a:t>5/4/2023</a:t>
             </a:fld>
             <a:endParaRPr lang="en-US" dirty="0"/>
           </a:p>
@@ -3086,19 +2845,12 @@
           <a:p>
             <a:fld id="{3A98EE3D-8CD1-4C3F-BD1C-C98C9596463C}" type="slidenum">
               <a:rPr lang="en-US" smtClean="0"/>
-              <a:pPr/>
-              <a:t>‹#›</a:t>
             </a:fld>
             <a:endParaRPr lang="en-US" dirty="0"/>
           </a:p>
         </p:txBody>
       </p:sp>
     </p:spTree>
-    <p:extLst>
-      <p:ext uri="{BB962C8B-B14F-4D97-AF65-F5344CB8AC3E}">
-        <p14:creationId xmlns:p14="http://schemas.microsoft.com/office/powerpoint/2010/main" val="1933282235"/>
-      </p:ext>
-    </p:extLst>
   </p:cSld>
   <p:clrMapOvr>
     <a:masterClrMapping/>
@@ -3107,7 +2859,7 @@
 </file>
 
 <file path=ppt/slideLayouts/slideLayout9.xml><?xml version="1.0" encoding="utf-8"?>
-<p:sldLayout xmlns:a="http://schemas.openxmlformats.org/drawingml/2006/main" xmlns:r="http://schemas.openxmlformats.org/officeDocument/2006/relationships" xmlns:p="http://schemas.openxmlformats.org/presentationml/2006/main" showMasterSp="0" type="picTx" preserve="1">
+<p:sldLayout xmlns:a="http://schemas.openxmlformats.org/drawingml/2006/main" xmlns:r="http://schemas.openxmlformats.org/officeDocument/2006/relationships" xmlns:p="http://schemas.openxmlformats.org/presentationml/2006/main" type="picTx" preserve="1" showMasterSp="0">
   <p:cSld name="Picture with Caption">
     <p:spTree>
       <p:nvGrpSpPr>
@@ -3125,13 +2877,7 @@
       </p:grpSpPr>
       <p:sp>
         <p:nvSpPr>
-          <p:cNvPr id="8" name="Rectangle 7">
-            <a:extLst>
-              <a:ext uri="{FF2B5EF4-FFF2-40B4-BE49-F238E27FC236}">
-                <a16:creationId xmlns:a16="http://schemas.microsoft.com/office/drawing/2014/main" id="{DA134939-39C0-4522-A125-A13DFDA66490}"/>
-              </a:ext>
-            </a:extLst>
-          </p:cNvPr>
+          <p:cNvPr id="8" name="Rectangle 7"/>
           <p:cNvSpPr/>
           <p:nvPr/>
         </p:nvSpPr>
@@ -3349,6 +3095,7 @@
               <a:rPr lang="en-US"/>
               <a:t>Click to edit Master text styles</a:t>
             </a:r>
+            <a:endParaRPr lang="en-US"/>
           </a:p>
         </p:txBody>
       </p:sp>
@@ -3373,7 +3120,6 @@
           <a:p>
             <a:fld id="{4B8AB8D8-293A-46A0-8168-D7939865F172}" type="datetime1">
               <a:rPr lang="en-US" smtClean="0"/>
-              <a:t>5/4/2023</a:t>
             </a:fld>
             <a:endParaRPr lang="en-US" dirty="0"/>
           </a:p>
@@ -3425,18 +3171,12 @@
           <a:p>
             <a:fld id="{3A98EE3D-8CD1-4C3F-BD1C-C98C9596463C}" type="slidenum">
               <a:rPr lang="en-US" smtClean="0"/>
-              <a:t>‹#›</a:t>
             </a:fld>
             <a:endParaRPr lang="en-US" dirty="0"/>
           </a:p>
         </p:txBody>
       </p:sp>
     </p:spTree>
-    <p:extLst>
-      <p:ext uri="{BB962C8B-B14F-4D97-AF65-F5344CB8AC3E}">
-        <p14:creationId xmlns:p14="http://schemas.microsoft.com/office/powerpoint/2010/main" val="523267730"/>
-      </p:ext>
-    </p:extLst>
   </p:cSld>
   <p:clrMapOvr>
     <a:masterClrMapping/>
@@ -3468,13 +3208,7 @@
       </p:grpSpPr>
       <p:sp>
         <p:nvSpPr>
-          <p:cNvPr id="7" name="Rectangle 6">
-            <a:extLst>
-              <a:ext uri="{FF2B5EF4-FFF2-40B4-BE49-F238E27FC236}">
-                <a16:creationId xmlns:a16="http://schemas.microsoft.com/office/drawing/2014/main" id="{416A0E3C-60E6-4F39-BC55-5F7C224E1F7C}"/>
-              </a:ext>
-            </a:extLst>
-          </p:cNvPr>
+          <p:cNvPr id="7" name="Rectangle 6"/>
           <p:cNvSpPr/>
           <p:nvPr/>
         </p:nvSpPr>
@@ -3573,6 +3307,7 @@
               <a:rPr lang="en-US"/>
               <a:t>Click to edit Master text styles</a:t>
             </a:r>
+            <a:endParaRPr lang="en-US"/>
           </a:p>
           <a:p>
             <a:pPr lvl="1"/>
@@ -3580,6 +3315,7 @@
               <a:rPr lang="en-US"/>
               <a:t>Second level</a:t>
             </a:r>
+            <a:endParaRPr lang="en-US"/>
           </a:p>
           <a:p>
             <a:pPr lvl="2"/>
@@ -3587,6 +3323,7 @@
               <a:rPr lang="en-US"/>
               <a:t>Third level</a:t>
             </a:r>
+            <a:endParaRPr lang="en-US"/>
           </a:p>
           <a:p>
             <a:pPr lvl="3"/>
@@ -3594,6 +3331,7 @@
               <a:rPr lang="en-US"/>
               <a:t>Fourth level</a:t>
             </a:r>
+            <a:endParaRPr lang="en-US"/>
           </a:p>
           <a:p>
             <a:pPr lvl="4"/>
@@ -3638,7 +3376,6 @@
           <a:p>
             <a:fld id="{B1136817-60BD-44D3-8980-5412007ED3DA}" type="datetime1">
               <a:rPr lang="en-US" smtClean="0"/>
-              <a:t>5/4/2023</a:t>
             </a:fld>
             <a:endParaRPr lang="en-US" dirty="0"/>
           </a:p>
@@ -3716,7 +3453,6 @@
           <a:p>
             <a:fld id="{3A98EE3D-8CD1-4C3F-BD1C-C98C9596463C}" type="slidenum">
               <a:rPr lang="en-US" smtClean="0"/>
-              <a:t>‹#›</a:t>
             </a:fld>
             <a:endParaRPr lang="en-US" dirty="0"/>
           </a:p>
@@ -3724,13 +3460,7 @@
       </p:sp>
       <p:cxnSp>
         <p:nvCxnSpPr>
-          <p:cNvPr id="10" name="Straight Connector 9">
-            <a:extLst>
-              <a:ext uri="{FF2B5EF4-FFF2-40B4-BE49-F238E27FC236}">
-                <a16:creationId xmlns:a16="http://schemas.microsoft.com/office/drawing/2014/main" id="{C5025DAC-8B93-4160-B017-3A274A5828C0}"/>
-              </a:ext>
-            </a:extLst>
-          </p:cNvPr>
+          <p:cNvPr id="10" name="Straight Connector 9"/>
           <p:cNvCxnSpPr/>
           <p:nvPr/>
         </p:nvCxnSpPr>
@@ -3767,25 +3497,20 @@
         </p:style>
       </p:cxnSp>
     </p:spTree>
-    <p:extLst>
-      <p:ext uri="{BB962C8B-B14F-4D97-AF65-F5344CB8AC3E}">
-        <p14:creationId xmlns:p14="http://schemas.microsoft.com/office/powerpoint/2010/main" val="3034982234"/>
-      </p:ext>
-    </p:extLst>
   </p:cSld>
   <p:clrMap bg1="lt1" tx1="dk1" bg2="lt2" tx2="dk2" accent1="accent1" accent2="accent2" accent3="accent3" accent4="accent4" accent5="accent5" accent6="accent6" hlink="hlink" folHlink="folHlink"/>
   <p:sldLayoutIdLst>
-    <p:sldLayoutId id="2147483748" r:id="rId1"/>
-    <p:sldLayoutId id="2147483749" r:id="rId2"/>
-    <p:sldLayoutId id="2147483747" r:id="rId3"/>
-    <p:sldLayoutId id="2147483743" r:id="rId4"/>
-    <p:sldLayoutId id="2147483738" r:id="rId5"/>
-    <p:sldLayoutId id="2147483732" r:id="rId6"/>
-    <p:sldLayoutId id="2147483733" r:id="rId7"/>
-    <p:sldLayoutId id="2147483734" r:id="rId8"/>
-    <p:sldLayoutId id="2147483735" r:id="rId9"/>
-    <p:sldLayoutId id="2147483736" r:id="rId10"/>
-    <p:sldLayoutId id="2147483737" r:id="rId11"/>
+    <p:sldLayoutId id="2147483649" r:id="rId1"/>
+    <p:sldLayoutId id="2147483650" r:id="rId2"/>
+    <p:sldLayoutId id="2147483651" r:id="rId3"/>
+    <p:sldLayoutId id="2147483652" r:id="rId4"/>
+    <p:sldLayoutId id="2147483653" r:id="rId5"/>
+    <p:sldLayoutId id="2147483654" r:id="rId6"/>
+    <p:sldLayoutId id="2147483655" r:id="rId7"/>
+    <p:sldLayoutId id="2147483656" r:id="rId8"/>
+    <p:sldLayoutId id="2147483657" r:id="rId9"/>
+    <p:sldLayoutId id="2147483658" r:id="rId10"/>
+    <p:sldLayoutId id="2147483659" r:id="rId11"/>
   </p:sldLayoutIdLst>
   <p:hf hdr="0" dt="0"/>
   <p:txStyles>
@@ -3840,7 +3565,7 @@
           <a:cs typeface="+mn-cs"/>
         </a:defRPr>
       </a:lvl1pPr>
-      <a:lvl2pPr marL="384048" indent="-182880" algn="l" defTabSz="914400" rtl="0" eaLnBrk="1" latinLnBrk="0" hangingPunct="1">
+      <a:lvl2pPr marL="384175" indent="-182880" algn="l" defTabSz="914400" rtl="0" eaLnBrk="1" latinLnBrk="0" hangingPunct="1">
         <a:lnSpc>
           <a:spcPct val="100000"/>
         </a:lnSpc>
@@ -3851,7 +3576,7 @@
           <a:spcPts val="400"/>
         </a:spcAft>
         <a:buClrTx/>
-        <a:buFont typeface="Calibri" pitchFamily="34" charset="0"/>
+        <a:buFont typeface="Calibri" panose="020F0502020204030204" pitchFamily="34" charset="0"/>
         <a:buChar char="◦"/>
         <a:defRPr sz="1700" kern="1200">
           <a:solidFill>
@@ -3865,7 +3590,7 @@
           <a:cs typeface="+mn-cs"/>
         </a:defRPr>
       </a:lvl2pPr>
-      <a:lvl3pPr marL="566928" indent="-182880" algn="l" defTabSz="914400" rtl="0" eaLnBrk="1" latinLnBrk="0" hangingPunct="1">
+      <a:lvl3pPr marL="567055" indent="-182880" algn="l" defTabSz="914400" rtl="0" eaLnBrk="1" latinLnBrk="0" hangingPunct="1">
         <a:lnSpc>
           <a:spcPct val="100000"/>
         </a:lnSpc>
@@ -3876,7 +3601,7 @@
           <a:spcPts val="400"/>
         </a:spcAft>
         <a:buClrTx/>
-        <a:buFont typeface="Calibri" pitchFamily="34" charset="0"/>
+        <a:buFont typeface="Calibri" panose="020F0502020204030204" pitchFamily="34" charset="0"/>
         <a:buChar char="◦"/>
         <a:defRPr sz="1300" kern="1200">
           <a:solidFill>
@@ -3890,7 +3615,7 @@
           <a:cs typeface="+mn-cs"/>
         </a:defRPr>
       </a:lvl3pPr>
-      <a:lvl4pPr marL="749808" indent="-182880" algn="l" defTabSz="914400" rtl="0" eaLnBrk="1" latinLnBrk="0" hangingPunct="1">
+      <a:lvl4pPr marL="749935" indent="-182880" algn="l" defTabSz="914400" rtl="0" eaLnBrk="1" latinLnBrk="0" hangingPunct="1">
         <a:lnSpc>
           <a:spcPct val="100000"/>
         </a:lnSpc>
@@ -3901,7 +3626,7 @@
           <a:spcPts val="400"/>
         </a:spcAft>
         <a:buClrTx/>
-        <a:buFont typeface="Calibri" pitchFamily="34" charset="0"/>
+        <a:buFont typeface="Calibri" panose="020F0502020204030204" pitchFamily="34" charset="0"/>
         <a:buChar char="◦"/>
         <a:defRPr sz="1300" kern="1200">
           <a:solidFill>
@@ -3915,7 +3640,7 @@
           <a:cs typeface="+mn-cs"/>
         </a:defRPr>
       </a:lvl4pPr>
-      <a:lvl5pPr marL="932688" indent="-182880" algn="l" defTabSz="914400" rtl="0" eaLnBrk="1" latinLnBrk="0" hangingPunct="1">
+      <a:lvl5pPr marL="932815" indent="-182880" algn="l" defTabSz="914400" rtl="0" eaLnBrk="1" latinLnBrk="0" hangingPunct="1">
         <a:lnSpc>
           <a:spcPct val="100000"/>
         </a:lnSpc>
@@ -3926,7 +3651,7 @@
           <a:spcPts val="400"/>
         </a:spcAft>
         <a:buClrTx/>
-        <a:buFont typeface="Calibri" pitchFamily="34" charset="0"/>
+        <a:buFont typeface="Calibri" panose="020F0502020204030204" pitchFamily="34" charset="0"/>
         <a:buChar char="◦"/>
         <a:defRPr sz="1300" kern="1200">
           <a:solidFill>
@@ -3940,7 +3665,7 @@
           <a:cs typeface="+mn-cs"/>
         </a:defRPr>
       </a:lvl5pPr>
-      <a:lvl6pPr marL="1100000" indent="-228600" algn="l" defTabSz="914400" rtl="0" eaLnBrk="1" latinLnBrk="0" hangingPunct="1">
+      <a:lvl6pPr marL="1099820" indent="-228600" algn="l" defTabSz="914400" rtl="0" eaLnBrk="1" latinLnBrk="0" hangingPunct="1">
         <a:lnSpc>
           <a:spcPct val="90000"/>
         </a:lnSpc>
@@ -3953,7 +3678,7 @@
         <a:buClr>
           <a:schemeClr val="accent1"/>
         </a:buClr>
-        <a:buFont typeface="Calibri" pitchFamily="34" charset="0"/>
+        <a:buFont typeface="Calibri" panose="020F0502020204030204" pitchFamily="34" charset="0"/>
         <a:buChar char="◦"/>
         <a:defRPr sz="1400" kern="1200">
           <a:solidFill>
@@ -3967,7 +3692,7 @@
           <a:cs typeface="+mn-cs"/>
         </a:defRPr>
       </a:lvl6pPr>
-      <a:lvl7pPr marL="1300000" indent="-228600" algn="l" defTabSz="914400" rtl="0" eaLnBrk="1" latinLnBrk="0" hangingPunct="1">
+      <a:lvl7pPr marL="1299845" indent="-228600" algn="l" defTabSz="914400" rtl="0" eaLnBrk="1" latinLnBrk="0" hangingPunct="1">
         <a:lnSpc>
           <a:spcPct val="90000"/>
         </a:lnSpc>
@@ -3980,7 +3705,7 @@
         <a:buClr>
           <a:schemeClr val="accent1"/>
         </a:buClr>
-        <a:buFont typeface="Calibri" pitchFamily="34" charset="0"/>
+        <a:buFont typeface="Calibri" panose="020F0502020204030204" pitchFamily="34" charset="0"/>
         <a:buChar char="◦"/>
         <a:defRPr sz="1400" kern="1200">
           <a:solidFill>
@@ -3994,7 +3719,7 @@
           <a:cs typeface="+mn-cs"/>
         </a:defRPr>
       </a:lvl7pPr>
-      <a:lvl8pPr marL="1500000" indent="-228600" algn="l" defTabSz="914400" rtl="0" eaLnBrk="1" latinLnBrk="0" hangingPunct="1">
+      <a:lvl8pPr marL="1499870" indent="-228600" algn="l" defTabSz="914400" rtl="0" eaLnBrk="1" latinLnBrk="0" hangingPunct="1">
         <a:lnSpc>
           <a:spcPct val="90000"/>
         </a:lnSpc>
@@ -4007,7 +3732,7 @@
         <a:buClr>
           <a:schemeClr val="accent1"/>
         </a:buClr>
-        <a:buFont typeface="Calibri" pitchFamily="34" charset="0"/>
+        <a:buFont typeface="Calibri" panose="020F0502020204030204" pitchFamily="34" charset="0"/>
         <a:buChar char="◦"/>
         <a:defRPr sz="1400" kern="1200">
           <a:solidFill>
@@ -4021,7 +3746,7 @@
           <a:cs typeface="+mn-cs"/>
         </a:defRPr>
       </a:lvl8pPr>
-      <a:lvl9pPr marL="1700000" indent="-228600" algn="l" defTabSz="914400" rtl="0" eaLnBrk="1" latinLnBrk="0" hangingPunct="1">
+      <a:lvl9pPr marL="1699895" indent="-228600" algn="l" defTabSz="914400" rtl="0" eaLnBrk="1" latinLnBrk="0" hangingPunct="1">
         <a:lnSpc>
           <a:spcPct val="90000"/>
         </a:lnSpc>
@@ -4034,7 +3759,7 @@
         <a:buClr>
           <a:schemeClr val="accent1"/>
         </a:buClr>
-        <a:buFont typeface="Calibri" pitchFamily="34" charset="0"/>
+        <a:buFont typeface="Calibri" panose="020F0502020204030204" pitchFamily="34" charset="0"/>
         <a:buChar char="◦"/>
         <a:defRPr sz="1400" kern="1200">
           <a:solidFill>
@@ -4175,26 +3900,11 @@
       </p:grpSpPr>
       <p:sp useBgFill="1">
         <p:nvSpPr>
-          <p:cNvPr id="22" name="Rectangle 21">
-            <a:extLst>
-              <a:ext uri="{FF2B5EF4-FFF2-40B4-BE49-F238E27FC236}">
-                <a16:creationId xmlns:a16="http://schemas.microsoft.com/office/drawing/2014/main" id="{A9286AD2-18A9-4868-A4E3-7A2097A20810}"/>
-              </a:ext>
-              <a:ext uri="{C183D7F6-B498-43B3-948B-1728B52AA6E4}">
-                <adec:decorative xmlns:adec="http://schemas.microsoft.com/office/drawing/2017/decorative" val="1"/>
-              </a:ext>
-            </a:extLst>
-          </p:cNvPr>
+          <p:cNvPr id="22" name="Rectangle 21"/>
           <p:cNvSpPr>
             <a:spLocks noGrp="1" noRot="1" noChangeAspect="1" noMove="1" noResize="1" noEditPoints="1" noAdjustHandles="1" noChangeArrowheads="1" noChangeShapeType="1" noTextEdit="1"/>
           </p:cNvSpPr>
-          <p:nvPr>
-            <p:extLst>
-              <p:ext uri="{386F3935-93C4-4BCD-93E2-E3B085C9AB24}">
-                <p16:designElem xmlns:p16="http://schemas.microsoft.com/office/powerpoint/2015/main" val="1"/>
-              </p:ext>
-            </p:extLst>
-          </p:nvPr>
+          <p:nvPr/>
         </p:nvSpPr>
         <p:spPr>
           <a:xfrm>
@@ -4235,13 +3945,7 @@
       </p:sp>
       <p:sp>
         <p:nvSpPr>
-          <p:cNvPr id="2" name="Title 1">
-            <a:extLst>
-              <a:ext uri="{FF2B5EF4-FFF2-40B4-BE49-F238E27FC236}">
-                <a16:creationId xmlns:a16="http://schemas.microsoft.com/office/drawing/2014/main" id="{78FD68DA-43BA-4508-8DE2-BA9BB7B2FA5B}"/>
-              </a:ext>
-            </a:extLst>
-          </p:cNvPr>
+          <p:cNvPr id="2" name="Title 1"/>
           <p:cNvSpPr>
             <a:spLocks noGrp="1"/>
           </p:cNvSpPr>
@@ -4275,13 +3979,7 @@
       </p:sp>
       <p:sp>
         <p:nvSpPr>
-          <p:cNvPr id="3" name="Subtitle 2">
-            <a:extLst>
-              <a:ext uri="{FF2B5EF4-FFF2-40B4-BE49-F238E27FC236}">
-                <a16:creationId xmlns:a16="http://schemas.microsoft.com/office/drawing/2014/main" id="{A8E9CFF2-3777-4FF4-A759-8491175B0B7C}"/>
-              </a:ext>
-            </a:extLst>
-          </p:cNvPr>
+          <p:cNvPr id="3" name="Subtitle 2"/>
           <p:cNvSpPr>
             <a:spLocks noGrp="1"/>
           </p:cNvSpPr>
@@ -4312,6 +4010,14 @@
               </a:rPr>
               <a:t>Shubham Mondal</a:t>
             </a:r>
+            <a:endParaRPr lang="en-US" sz="2400" dirty="0">
+              <a:solidFill>
+                <a:schemeClr val="tx1">
+                  <a:lumMod val="85000"/>
+                  <a:lumOff val="15000"/>
+                </a:schemeClr>
+              </a:solidFill>
+            </a:endParaRPr>
           </a:p>
           <a:p>
             <a:r>
@@ -4338,20 +4044,14 @@
       </p:sp>
       <p:pic>
         <p:nvPicPr>
-          <p:cNvPr id="5" name="Picture 4" descr="A picture containing building, sitting, bench, side&#10;&#10;Description automatically generated">
-            <a:extLst>
-              <a:ext uri="{FF2B5EF4-FFF2-40B4-BE49-F238E27FC236}">
-                <a16:creationId xmlns:a16="http://schemas.microsoft.com/office/drawing/2014/main" id="{282CF6DD-7FE8-4063-9551-1B7BBCE92ABE}"/>
-              </a:ext>
-            </a:extLst>
-          </p:cNvPr>
+          <p:cNvPr id="5" name="Picture 4" descr="A picture containing building, sitting, bench, side&#10;&#10;Description automatically generated"/>
           <p:cNvPicPr>
             <a:picLocks noChangeAspect="1"/>
           </p:cNvPicPr>
           <p:nvPr/>
         </p:nvPicPr>
         <p:blipFill rotWithShape="1">
-          <a:blip r:embed="rId2">
+          <a:blip r:embed="rId1">
             <a:extLst>
               <a:ext uri="{28A0092B-C50C-407E-A947-70E740481C1C}">
                 <a14:useLocalDpi xmlns:a14="http://schemas.microsoft.com/office/drawing/2010/main" val="0"/>
@@ -4359,7 +4059,9 @@
             </a:extLst>
           </a:blip>
           <a:srcRect/>
-          <a:stretch/>
+          <a:stretch>
+            <a:fillRect/>
+          </a:stretch>
         </p:blipFill>
         <p:spPr>
           <a:xfrm>
@@ -4373,26 +4075,11 @@
       </p:pic>
       <p:cxnSp>
         <p:nvCxnSpPr>
-          <p:cNvPr id="24" name="Straight Connector 23">
-            <a:extLst>
-              <a:ext uri="{FF2B5EF4-FFF2-40B4-BE49-F238E27FC236}">
-                <a16:creationId xmlns:a16="http://schemas.microsoft.com/office/drawing/2014/main" id="{E7A7CD63-7EC3-44F3-95D0-595C4019FF24}"/>
-              </a:ext>
-              <a:ext uri="{C183D7F6-B498-43B3-948B-1728B52AA6E4}">
-                <adec:decorative xmlns:adec="http://schemas.microsoft.com/office/drawing/2017/decorative" val="1"/>
-              </a:ext>
-            </a:extLst>
-          </p:cNvPr>
+          <p:cNvPr id="24" name="Straight Connector 23"/>
           <p:cNvCxnSpPr>
             <a:cxnSpLocks noGrp="1" noRot="1" noChangeAspect="1" noMove="1" noResize="1" noEditPoints="1" noAdjustHandles="1" noChangeArrowheads="1" noChangeShapeType="1"/>
           </p:cNvCxnSpPr>
-          <p:nvPr>
-            <p:extLst>
-              <p:ext uri="{386F3935-93C4-4BCD-93E2-E3B085C9AB24}">
-                <p16:designElem xmlns:p16="http://schemas.microsoft.com/office/powerpoint/2015/main" val="1"/>
-              </p:ext>
-            </p:extLst>
-          </p:nvPr>
+          <p:nvPr/>
         </p:nvCxnSpPr>
         <p:spPr>
           <a:xfrm>
@@ -4428,13 +4115,7 @@
       </p:cxnSp>
       <p:sp>
         <p:nvSpPr>
-          <p:cNvPr id="4" name="Slide Number Placeholder 3">
-            <a:extLst>
-              <a:ext uri="{FF2B5EF4-FFF2-40B4-BE49-F238E27FC236}">
-                <a16:creationId xmlns:a16="http://schemas.microsoft.com/office/drawing/2014/main" id="{9C31FFE9-316C-9D2E-EE46-CAF267905F5F}"/>
-              </a:ext>
-            </a:extLst>
-          </p:cNvPr>
+          <p:cNvPr id="4" name="Slide Number Placeholder 3"/>
           <p:cNvSpPr>
             <a:spLocks noGrp="1"/>
           </p:cNvSpPr>
@@ -4449,7 +4130,6 @@
           <a:p>
             <a:fld id="{3A98EE3D-8CD1-4C3F-BD1C-C98C9596463C}" type="slidenum">
               <a:rPr lang="en-US" smtClean="0"/>
-              <a:t>1</a:t>
             </a:fld>
             <a:endParaRPr lang="en-US" dirty="0"/>
           </a:p>
@@ -4457,13 +4137,7 @@
       </p:sp>
       <p:sp>
         <p:nvSpPr>
-          <p:cNvPr id="6" name="Footer Placeholder 5">
-            <a:extLst>
-              <a:ext uri="{FF2B5EF4-FFF2-40B4-BE49-F238E27FC236}">
-                <a16:creationId xmlns:a16="http://schemas.microsoft.com/office/drawing/2014/main" id="{6EE3D66D-A209-DDCB-C5CC-3A62D2DA6C0D}"/>
-              </a:ext>
-            </a:extLst>
-          </p:cNvPr>
+          <p:cNvPr id="6" name="Footer Placeholder 5"/>
           <p:cNvSpPr>
             <a:spLocks noGrp="1"/>
           </p:cNvSpPr>
@@ -4485,199 +4159,6 @@
         </p:txBody>
       </p:sp>
     </p:spTree>
-    <p:extLst>
-      <p:ext uri="{BB962C8B-B14F-4D97-AF65-F5344CB8AC3E}">
-        <p14:creationId xmlns:p14="http://schemas.microsoft.com/office/powerpoint/2010/main" val="4043737824"/>
-      </p:ext>
-    </p:extLst>
-  </p:cSld>
-  <p:clrMapOvr>
-    <a:masterClrMapping/>
-  </p:clrMapOvr>
-</p:sld>
-</file>
-
-<file path=ppt/slides/slide10.xml><?xml version="1.0" encoding="utf-8"?>
-<p:sld xmlns:a="http://schemas.openxmlformats.org/drawingml/2006/main" xmlns:r="http://schemas.openxmlformats.org/officeDocument/2006/relationships" xmlns:p="http://schemas.openxmlformats.org/presentationml/2006/main">
-  <p:cSld>
-    <p:spTree>
-      <p:nvGrpSpPr>
-        <p:cNvPr id="1" name=""/>
-        <p:cNvGrpSpPr/>
-        <p:nvPr/>
-      </p:nvGrpSpPr>
-      <p:grpSpPr>
-        <a:xfrm>
-          <a:off x="0" y="0"/>
-          <a:ext cx="0" cy="0"/>
-          <a:chOff x="0" y="0"/>
-          <a:chExt cx="0" cy="0"/>
-        </a:xfrm>
-      </p:grpSpPr>
-      <p:sp>
-        <p:nvSpPr>
-          <p:cNvPr id="2" name="Title 1">
-            <a:extLst>
-              <a:ext uri="{FF2B5EF4-FFF2-40B4-BE49-F238E27FC236}">
-                <a16:creationId xmlns:a16="http://schemas.microsoft.com/office/drawing/2014/main" id="{78FD68DA-43BA-4508-8DE2-BA9BB7B2FA5B}"/>
-              </a:ext>
-            </a:extLst>
-          </p:cNvPr>
-          <p:cNvSpPr>
-            <a:spLocks noGrp="1"/>
-          </p:cNvSpPr>
-          <p:nvPr>
-            <p:ph type="ctrTitle"/>
-          </p:nvPr>
-        </p:nvSpPr>
-        <p:spPr>
-          <a:xfrm>
-            <a:off x="5289754" y="1858299"/>
-            <a:ext cx="6253317" cy="1888950"/>
-          </a:xfrm>
-        </p:spPr>
-        <p:txBody>
-          <a:bodyPr>
-            <a:normAutofit/>
-          </a:bodyPr>
-          <a:lstStyle/>
-          <a:p>
-            <a:r>
-              <a:rPr lang="en-US" sz="5400" dirty="0"/>
-              <a:t>Thank You</a:t>
-            </a:r>
-          </a:p>
-        </p:txBody>
-      </p:sp>
-      <p:pic>
-        <p:nvPicPr>
-          <p:cNvPr id="5" name="Picture 4" descr="A picture containing building, sitting, bench, side&#10;&#10;Description automatically generated">
-            <a:extLst>
-              <a:ext uri="{FF2B5EF4-FFF2-40B4-BE49-F238E27FC236}">
-                <a16:creationId xmlns:a16="http://schemas.microsoft.com/office/drawing/2014/main" id="{282CF6DD-7FE8-4063-9551-1B7BBCE92ABE}"/>
-              </a:ext>
-            </a:extLst>
-          </p:cNvPr>
-          <p:cNvPicPr>
-            <a:picLocks noChangeAspect="1"/>
-          </p:cNvPicPr>
-          <p:nvPr/>
-        </p:nvPicPr>
-        <p:blipFill rotWithShape="1">
-          <a:blip r:embed="rId2">
-            <a:extLst>
-              <a:ext uri="{28A0092B-C50C-407E-A947-70E740481C1C}">
-                <a14:useLocalDpi xmlns:a14="http://schemas.microsoft.com/office/drawing/2010/main" val="0"/>
-              </a:ext>
-            </a:extLst>
-          </a:blip>
-          <a:srcRect/>
-          <a:stretch/>
-        </p:blipFill>
-        <p:spPr>
-          <a:xfrm>
-            <a:off x="0" y="0"/>
-            <a:ext cx="4635315" cy="6857999"/>
-          </a:xfrm>
-          <a:prstGeom prst="rect">
-            <a:avLst/>
-          </a:prstGeom>
-        </p:spPr>
-      </p:pic>
-      <p:pic>
-        <p:nvPicPr>
-          <p:cNvPr id="8" name="Picture 7">
-            <a:extLst>
-              <a:ext uri="{FF2B5EF4-FFF2-40B4-BE49-F238E27FC236}">
-                <a16:creationId xmlns:a16="http://schemas.microsoft.com/office/drawing/2014/main" id="{38F02BCD-A9BE-5E2A-32D8-AED7DEAC7BFF}"/>
-              </a:ext>
-            </a:extLst>
-          </p:cNvPr>
-          <p:cNvPicPr>
-            <a:picLocks noChangeAspect="1"/>
-          </p:cNvPicPr>
-          <p:nvPr/>
-        </p:nvPicPr>
-        <p:blipFill>
-          <a:blip r:embed="rId3"/>
-          <a:stretch>
-            <a:fillRect/>
-          </a:stretch>
-        </p:blipFill>
-        <p:spPr>
-          <a:xfrm>
-            <a:off x="4635315" y="3804127"/>
-            <a:ext cx="7233956" cy="1051651"/>
-          </a:xfrm>
-          <a:prstGeom prst="rect">
-            <a:avLst/>
-          </a:prstGeom>
-        </p:spPr>
-      </p:pic>
-      <p:sp>
-        <p:nvSpPr>
-          <p:cNvPr id="9" name="Slide Number Placeholder 8">
-            <a:extLst>
-              <a:ext uri="{FF2B5EF4-FFF2-40B4-BE49-F238E27FC236}">
-                <a16:creationId xmlns:a16="http://schemas.microsoft.com/office/drawing/2014/main" id="{889AB1B8-CF6E-47BF-4C30-EDF49137C2A3}"/>
-              </a:ext>
-            </a:extLst>
-          </p:cNvPr>
-          <p:cNvSpPr>
-            <a:spLocks noGrp="1"/>
-          </p:cNvSpPr>
-          <p:nvPr>
-            <p:ph type="sldNum" sz="quarter" idx="12"/>
-          </p:nvPr>
-        </p:nvSpPr>
-        <p:spPr/>
-        <p:txBody>
-          <a:bodyPr/>
-          <a:lstStyle/>
-          <a:p>
-            <a:fld id="{3A98EE3D-8CD1-4C3F-BD1C-C98C9596463C}" type="slidenum">
-              <a:rPr lang="en-US" smtClean="0"/>
-              <a:t>10</a:t>
-            </a:fld>
-            <a:endParaRPr lang="en-US" dirty="0"/>
-          </a:p>
-        </p:txBody>
-      </p:sp>
-      <p:sp>
-        <p:nvSpPr>
-          <p:cNvPr id="10" name="Footer Placeholder 9">
-            <a:extLst>
-              <a:ext uri="{FF2B5EF4-FFF2-40B4-BE49-F238E27FC236}">
-                <a16:creationId xmlns:a16="http://schemas.microsoft.com/office/drawing/2014/main" id="{E5DF381E-8F5B-1992-71E7-0ED363AD6F15}"/>
-              </a:ext>
-            </a:extLst>
-          </p:cNvPr>
-          <p:cNvSpPr>
-            <a:spLocks noGrp="1"/>
-          </p:cNvSpPr>
-          <p:nvPr>
-            <p:ph type="ftr" sz="quarter" idx="11"/>
-          </p:nvPr>
-        </p:nvSpPr>
-        <p:spPr/>
-        <p:txBody>
-          <a:bodyPr/>
-          <a:lstStyle/>
-          <a:p>
-            <a:r>
-              <a:rPr lang="en-US"/>
-              <a:t>SHUBHAM MONDAL (MT2022169)</a:t>
-            </a:r>
-            <a:endParaRPr lang="en-US" dirty="0"/>
-          </a:p>
-        </p:txBody>
-      </p:sp>
-    </p:spTree>
-    <p:extLst>
-      <p:ext uri="{BB962C8B-B14F-4D97-AF65-F5344CB8AC3E}">
-        <p14:creationId xmlns:p14="http://schemas.microsoft.com/office/powerpoint/2010/main" val="1757418306"/>
-      </p:ext>
-    </p:extLst>
   </p:cSld>
   <p:clrMapOvr>
     <a:masterClrMapping/>
@@ -4712,26 +4193,11 @@
       </p:grpSpPr>
       <p:sp>
         <p:nvSpPr>
-          <p:cNvPr id="47" name="Rectangle 46">
-            <a:extLst>
-              <a:ext uri="{FF2B5EF4-FFF2-40B4-BE49-F238E27FC236}">
-                <a16:creationId xmlns:a16="http://schemas.microsoft.com/office/drawing/2014/main" id="{FBDCECDC-EEE3-4128-AA5E-82A8C08796E8}"/>
-              </a:ext>
-              <a:ext uri="{C183D7F6-B498-43B3-948B-1728B52AA6E4}">
-                <adec:decorative xmlns:adec="http://schemas.microsoft.com/office/drawing/2017/decorative" val="1"/>
-              </a:ext>
-            </a:extLst>
-          </p:cNvPr>
+          <p:cNvPr id="47" name="Rectangle 46"/>
           <p:cNvSpPr>
             <a:spLocks noGrp="1" noRot="1" noChangeAspect="1" noMove="1" noResize="1" noEditPoints="1" noAdjustHandles="1" noChangeArrowheads="1" noChangeShapeType="1" noTextEdit="1"/>
           </p:cNvSpPr>
-          <p:nvPr>
-            <p:extLst>
-              <p:ext uri="{386F3935-93C4-4BCD-93E2-E3B085C9AB24}">
-                <p16:designElem xmlns:p16="http://schemas.microsoft.com/office/powerpoint/2015/main" val="1"/>
-              </p:ext>
-            </p:extLst>
-          </p:nvPr>
+          <p:nvPr/>
         </p:nvSpPr>
         <p:spPr>
           <a:xfrm>
@@ -4775,26 +4241,11 @@
       </p:sp>
       <p:sp>
         <p:nvSpPr>
-          <p:cNvPr id="49" name="Rectangle 48">
-            <a:extLst>
-              <a:ext uri="{FF2B5EF4-FFF2-40B4-BE49-F238E27FC236}">
-                <a16:creationId xmlns:a16="http://schemas.microsoft.com/office/drawing/2014/main" id="{4260EDE0-989C-4E16-AF94-F652294D828E}"/>
-              </a:ext>
-              <a:ext uri="{C183D7F6-B498-43B3-948B-1728B52AA6E4}">
-                <adec:decorative xmlns:adec="http://schemas.microsoft.com/office/drawing/2017/decorative" val="1"/>
-              </a:ext>
-            </a:extLst>
-          </p:cNvPr>
+          <p:cNvPr id="49" name="Rectangle 48"/>
           <p:cNvSpPr>
             <a:spLocks noGrp="1" noRot="1" noChangeAspect="1" noMove="1" noResize="1" noEditPoints="1" noAdjustHandles="1" noChangeArrowheads="1" noChangeShapeType="1" noTextEdit="1"/>
           </p:cNvSpPr>
-          <p:nvPr>
-            <p:extLst>
-              <p:ext uri="{386F3935-93C4-4BCD-93E2-E3B085C9AB24}">
-                <p16:designElem xmlns:p16="http://schemas.microsoft.com/office/powerpoint/2015/main" val="1"/>
-              </p:ext>
-            </p:extLst>
-          </p:nvPr>
+          <p:nvPr/>
         </p:nvSpPr>
         <p:spPr bwMode="white">
           <a:xfrm>
@@ -4830,13 +4281,7 @@
       </p:sp>
       <p:sp>
         <p:nvSpPr>
-          <p:cNvPr id="5" name="Title 4">
-            <a:extLst>
-              <a:ext uri="{FF2B5EF4-FFF2-40B4-BE49-F238E27FC236}">
-                <a16:creationId xmlns:a16="http://schemas.microsoft.com/office/drawing/2014/main" id="{7C6AAC7A-EF5C-327F-140D-CC3C5D7B0518}"/>
-              </a:ext>
-            </a:extLst>
-          </p:cNvPr>
+          <p:cNvPr id="5" name="Title 4"/>
           <p:cNvSpPr>
             <a:spLocks noGrp="1"/>
           </p:cNvSpPr>
@@ -4867,13 +4312,7 @@
       </p:sp>
       <p:sp>
         <p:nvSpPr>
-          <p:cNvPr id="8" name="TextBox 7">
-            <a:extLst>
-              <a:ext uri="{FF2B5EF4-FFF2-40B4-BE49-F238E27FC236}">
-                <a16:creationId xmlns:a16="http://schemas.microsoft.com/office/drawing/2014/main" id="{877BF61C-ABBF-0EBD-92A7-E086CB41F0B0}"/>
-              </a:ext>
-            </a:extLst>
-          </p:cNvPr>
+          <p:cNvPr id="8" name="TextBox 7"/>
           <p:cNvSpPr txBox="1"/>
           <p:nvPr/>
         </p:nvSpPr>
@@ -4911,20 +4350,14 @@
       </p:sp>
       <p:pic>
         <p:nvPicPr>
-          <p:cNvPr id="10" name="Picture 9">
-            <a:extLst>
-              <a:ext uri="{FF2B5EF4-FFF2-40B4-BE49-F238E27FC236}">
-                <a16:creationId xmlns:a16="http://schemas.microsoft.com/office/drawing/2014/main" id="{1676691F-9598-302D-D14C-5C80548D1EBD}"/>
-              </a:ext>
-            </a:extLst>
-          </p:cNvPr>
+          <p:cNvPr id="10" name="Picture 9"/>
           <p:cNvPicPr>
             <a:picLocks noChangeAspect="1"/>
           </p:cNvPicPr>
           <p:nvPr/>
         </p:nvPicPr>
         <p:blipFill>
-          <a:blip r:embed="rId2"/>
+          <a:blip r:embed="rId1"/>
           <a:stretch>
             <a:fillRect/>
           </a:stretch>
@@ -4941,22 +4374,18 @@
       </p:pic>
       <p:pic>
         <p:nvPicPr>
-          <p:cNvPr id="12" name="Picture 11">
-            <a:extLst>
-              <a:ext uri="{FF2B5EF4-FFF2-40B4-BE49-F238E27FC236}">
-                <a16:creationId xmlns:a16="http://schemas.microsoft.com/office/drawing/2014/main" id="{0B26757E-3F64-5F8D-EE23-CF6AE99BD050}"/>
-              </a:ext>
-            </a:extLst>
-          </p:cNvPr>
+          <p:cNvPr id="12" name="Picture 11"/>
           <p:cNvPicPr>
             <a:picLocks noChangeAspect="1"/>
           </p:cNvPicPr>
           <p:nvPr/>
         </p:nvPicPr>
         <p:blipFill rotWithShape="1">
-          <a:blip r:embed="rId3"/>
+          <a:blip r:embed="rId2"/>
           <a:srcRect r="2277" b="4536"/>
-          <a:stretch/>
+          <a:stretch>
+            <a:fillRect/>
+          </a:stretch>
         </p:blipFill>
         <p:spPr>
           <a:xfrm>
@@ -4970,13 +4399,7 @@
       </p:pic>
       <p:sp>
         <p:nvSpPr>
-          <p:cNvPr id="13" name="Slide Number Placeholder 12">
-            <a:extLst>
-              <a:ext uri="{FF2B5EF4-FFF2-40B4-BE49-F238E27FC236}">
-                <a16:creationId xmlns:a16="http://schemas.microsoft.com/office/drawing/2014/main" id="{F531A359-3F32-4ED7-F619-B3FDD437B70D}"/>
-              </a:ext>
-            </a:extLst>
-          </p:cNvPr>
+          <p:cNvPr id="13" name="Slide Number Placeholder 12"/>
           <p:cNvSpPr>
             <a:spLocks noGrp="1"/>
           </p:cNvSpPr>
@@ -4991,7 +4414,6 @@
           <a:p>
             <a:fld id="{3A98EE3D-8CD1-4C3F-BD1C-C98C9596463C}" type="slidenum">
               <a:rPr lang="en-US" smtClean="0"/>
-              <a:t>2</a:t>
             </a:fld>
             <a:endParaRPr lang="en-US" dirty="0"/>
           </a:p>
@@ -4999,13 +4421,7 @@
       </p:sp>
       <p:sp>
         <p:nvSpPr>
-          <p:cNvPr id="14" name="Footer Placeholder 13">
-            <a:extLst>
-              <a:ext uri="{FF2B5EF4-FFF2-40B4-BE49-F238E27FC236}">
-                <a16:creationId xmlns:a16="http://schemas.microsoft.com/office/drawing/2014/main" id="{3282D7E7-BB34-C43F-C92A-4C77C5A007CF}"/>
-              </a:ext>
-            </a:extLst>
-          </p:cNvPr>
+          <p:cNvPr id="14" name="Footer Placeholder 13"/>
           <p:cNvSpPr>
             <a:spLocks noGrp="1"/>
           </p:cNvSpPr>
@@ -5027,11 +4443,6 @@
         </p:txBody>
       </p:sp>
     </p:spTree>
-    <p:extLst>
-      <p:ext uri="{BB962C8B-B14F-4D97-AF65-F5344CB8AC3E}">
-        <p14:creationId xmlns:p14="http://schemas.microsoft.com/office/powerpoint/2010/main" val="191714609"/>
-      </p:ext>
-    </p:extLst>
   </p:cSld>
   <p:clrMapOvr>
     <a:masterClrMapping/>
@@ -5066,26 +4477,11 @@
       </p:grpSpPr>
       <p:sp>
         <p:nvSpPr>
-          <p:cNvPr id="47" name="Rectangle 46">
-            <a:extLst>
-              <a:ext uri="{FF2B5EF4-FFF2-40B4-BE49-F238E27FC236}">
-                <a16:creationId xmlns:a16="http://schemas.microsoft.com/office/drawing/2014/main" id="{FBDCECDC-EEE3-4128-AA5E-82A8C08796E8}"/>
-              </a:ext>
-              <a:ext uri="{C183D7F6-B498-43B3-948B-1728B52AA6E4}">
-                <adec:decorative xmlns:adec="http://schemas.microsoft.com/office/drawing/2017/decorative" val="1"/>
-              </a:ext>
-            </a:extLst>
-          </p:cNvPr>
+          <p:cNvPr id="47" name="Rectangle 46"/>
           <p:cNvSpPr>
             <a:spLocks noGrp="1" noRot="1" noChangeAspect="1" noMove="1" noResize="1" noEditPoints="1" noAdjustHandles="1" noChangeArrowheads="1" noChangeShapeType="1" noTextEdit="1"/>
           </p:cNvSpPr>
-          <p:nvPr>
-            <p:extLst>
-              <p:ext uri="{386F3935-93C4-4BCD-93E2-E3B085C9AB24}">
-                <p16:designElem xmlns:p16="http://schemas.microsoft.com/office/powerpoint/2015/main" val="1"/>
-              </p:ext>
-            </p:extLst>
-          </p:nvPr>
+          <p:nvPr/>
         </p:nvSpPr>
         <p:spPr>
           <a:xfrm>
@@ -5129,26 +4525,11 @@
       </p:sp>
       <p:sp>
         <p:nvSpPr>
-          <p:cNvPr id="49" name="Rectangle 48">
-            <a:extLst>
-              <a:ext uri="{FF2B5EF4-FFF2-40B4-BE49-F238E27FC236}">
-                <a16:creationId xmlns:a16="http://schemas.microsoft.com/office/drawing/2014/main" id="{4260EDE0-989C-4E16-AF94-F652294D828E}"/>
-              </a:ext>
-              <a:ext uri="{C183D7F6-B498-43B3-948B-1728B52AA6E4}">
-                <adec:decorative xmlns:adec="http://schemas.microsoft.com/office/drawing/2017/decorative" val="1"/>
-              </a:ext>
-            </a:extLst>
-          </p:cNvPr>
+          <p:cNvPr id="49" name="Rectangle 48"/>
           <p:cNvSpPr>
             <a:spLocks noGrp="1" noRot="1" noChangeAspect="1" noMove="1" noResize="1" noEditPoints="1" noAdjustHandles="1" noChangeArrowheads="1" noChangeShapeType="1" noTextEdit="1"/>
           </p:cNvSpPr>
-          <p:nvPr>
-            <p:extLst>
-              <p:ext uri="{386F3935-93C4-4BCD-93E2-E3B085C9AB24}">
-                <p16:designElem xmlns:p16="http://schemas.microsoft.com/office/powerpoint/2015/main" val="1"/>
-              </p:ext>
-            </p:extLst>
-          </p:nvPr>
+          <p:nvPr/>
         </p:nvSpPr>
         <p:spPr bwMode="white">
           <a:xfrm>
@@ -5184,13 +4565,7 @@
       </p:sp>
       <p:sp>
         <p:nvSpPr>
-          <p:cNvPr id="5" name="Title 4">
-            <a:extLst>
-              <a:ext uri="{FF2B5EF4-FFF2-40B4-BE49-F238E27FC236}">
-                <a16:creationId xmlns:a16="http://schemas.microsoft.com/office/drawing/2014/main" id="{7C6AAC7A-EF5C-327F-140D-CC3C5D7B0518}"/>
-              </a:ext>
-            </a:extLst>
-          </p:cNvPr>
+          <p:cNvPr id="5" name="Title 4"/>
           <p:cNvSpPr>
             <a:spLocks noGrp="1"/>
           </p:cNvSpPr>
@@ -5221,13 +4596,7 @@
       </p:sp>
       <p:sp>
         <p:nvSpPr>
-          <p:cNvPr id="8" name="TextBox 7">
-            <a:extLst>
-              <a:ext uri="{FF2B5EF4-FFF2-40B4-BE49-F238E27FC236}">
-                <a16:creationId xmlns:a16="http://schemas.microsoft.com/office/drawing/2014/main" id="{877BF61C-ABBF-0EBD-92A7-E086CB41F0B0}"/>
-              </a:ext>
-            </a:extLst>
-          </p:cNvPr>
+          <p:cNvPr id="8" name="TextBox 7"/>
           <p:cNvSpPr txBox="1"/>
           <p:nvPr/>
         </p:nvSpPr>
@@ -5259,6 +4628,11 @@
               </a:rPr>
               <a:t>Basic Text pre-processing steps were applied on the data  before generating summaries</a:t>
             </a:r>
+            <a:endParaRPr lang="en-US" sz="2400" dirty="0">
+              <a:solidFill>
+                <a:schemeClr val="bg1"/>
+              </a:solidFill>
+            </a:endParaRPr>
           </a:p>
           <a:p>
             <a:pPr marL="457200" indent="-457200">
@@ -5289,6 +4663,11 @@
               </a:rPr>
               <a:t> to generate summaries.</a:t>
             </a:r>
+            <a:endParaRPr lang="en-US" sz="2400" dirty="0">
+              <a:solidFill>
+                <a:schemeClr val="bg1"/>
+              </a:solidFill>
+            </a:endParaRPr>
           </a:p>
           <a:p>
             <a:pPr marL="457200" indent="-457200">
@@ -5305,13 +4684,31 @@
       </p:sp>
       <p:pic>
         <p:nvPicPr>
-          <p:cNvPr id="3" name="Picture 2">
-            <a:extLst>
-              <a:ext uri="{FF2B5EF4-FFF2-40B4-BE49-F238E27FC236}">
-                <a16:creationId xmlns:a16="http://schemas.microsoft.com/office/drawing/2014/main" id="{78F75411-C6A7-3648-77FE-E8B1D136F7E3}"/>
-              </a:ext>
-            </a:extLst>
-          </p:cNvPr>
+          <p:cNvPr id="3" name="Picture 2"/>
+          <p:cNvPicPr>
+            <a:picLocks noChangeAspect="1"/>
+          </p:cNvPicPr>
+          <p:nvPr/>
+        </p:nvPicPr>
+        <p:blipFill>
+          <a:blip r:embed="rId1"/>
+          <a:stretch>
+            <a:fillRect/>
+          </a:stretch>
+        </p:blipFill>
+        <p:spPr>
+          <a:xfrm>
+            <a:off x="118047" y="3207869"/>
+            <a:ext cx="3962743" cy="1745131"/>
+          </a:xfrm>
+          <a:prstGeom prst="rect">
+            <a:avLst/>
+          </a:prstGeom>
+        </p:spPr>
+      </p:pic>
+      <p:pic>
+        <p:nvPicPr>
+          <p:cNvPr id="6" name="Picture 5"/>
           <p:cNvPicPr>
             <a:picLocks noChangeAspect="1"/>
           </p:cNvPicPr>
@@ -5325,8 +4722,8 @@
         </p:blipFill>
         <p:spPr>
           <a:xfrm>
-            <a:off x="118047" y="3207869"/>
-            <a:ext cx="3962743" cy="1745131"/>
+            <a:off x="8962667" y="2220182"/>
+            <a:ext cx="3084391" cy="4458898"/>
           </a:xfrm>
           <a:prstGeom prst="rect">
             <a:avLst/>
@@ -5335,13 +4732,7 @@
       </p:pic>
       <p:pic>
         <p:nvPicPr>
-          <p:cNvPr id="6" name="Picture 5">
-            <a:extLst>
-              <a:ext uri="{FF2B5EF4-FFF2-40B4-BE49-F238E27FC236}">
-                <a16:creationId xmlns:a16="http://schemas.microsoft.com/office/drawing/2014/main" id="{0754CC38-A28D-9A91-A519-3CE3A87C9A05}"/>
-              </a:ext>
-            </a:extLst>
-          </p:cNvPr>
+          <p:cNvPr id="9" name="Picture 8"/>
           <p:cNvPicPr>
             <a:picLocks noChangeAspect="1"/>
           </p:cNvPicPr>
@@ -5355,53 +4746,17 @@
         </p:blipFill>
         <p:spPr>
           <a:xfrm>
-            <a:off x="8962667" y="2220182"/>
-            <a:ext cx="3084391" cy="4458898"/>
+            <a:off x="4102941" y="3207869"/>
+            <a:ext cx="4828610" cy="1867062"/>
           </a:xfrm>
           <a:prstGeom prst="rect">
             <a:avLst/>
           </a:prstGeom>
         </p:spPr>
       </p:pic>
-      <p:pic>
-        <p:nvPicPr>
-          <p:cNvPr id="9" name="Picture 8">
-            <a:extLst>
-              <a:ext uri="{FF2B5EF4-FFF2-40B4-BE49-F238E27FC236}">
-                <a16:creationId xmlns:a16="http://schemas.microsoft.com/office/drawing/2014/main" id="{2558D5F7-0385-8EFF-A2F1-5CDBC3F4326A}"/>
-              </a:ext>
-            </a:extLst>
-          </p:cNvPr>
-          <p:cNvPicPr>
-            <a:picLocks noChangeAspect="1"/>
-          </p:cNvPicPr>
-          <p:nvPr/>
-        </p:nvPicPr>
-        <p:blipFill>
-          <a:blip r:embed="rId4"/>
-          <a:stretch>
-            <a:fillRect/>
-          </a:stretch>
-        </p:blipFill>
-        <p:spPr>
-          <a:xfrm>
-            <a:off x="4102941" y="3207869"/>
-            <a:ext cx="4828610" cy="1867062"/>
-          </a:xfrm>
-          <a:prstGeom prst="rect">
-            <a:avLst/>
-          </a:prstGeom>
-        </p:spPr>
-      </p:pic>
-      <p:sp>
-        <p:nvSpPr>
-          <p:cNvPr id="11" name="Slide Number Placeholder 10">
-            <a:extLst>
-              <a:ext uri="{FF2B5EF4-FFF2-40B4-BE49-F238E27FC236}">
-                <a16:creationId xmlns:a16="http://schemas.microsoft.com/office/drawing/2014/main" id="{01C9149D-55E2-FFB4-E859-26969EDF4A6C}"/>
-              </a:ext>
-            </a:extLst>
-          </p:cNvPr>
+      <p:sp>
+        <p:nvSpPr>
+          <p:cNvPr id="11" name="Slide Number Placeholder 10"/>
           <p:cNvSpPr>
             <a:spLocks noGrp="1"/>
           </p:cNvSpPr>
@@ -5416,7 +4771,6 @@
           <a:p>
             <a:fld id="{3A98EE3D-8CD1-4C3F-BD1C-C98C9596463C}" type="slidenum">
               <a:rPr lang="en-US" smtClean="0"/>
-              <a:t>3</a:t>
             </a:fld>
             <a:endParaRPr lang="en-US" dirty="0"/>
           </a:p>
@@ -5424,13 +4778,7 @@
       </p:sp>
       <p:sp>
         <p:nvSpPr>
-          <p:cNvPr id="13" name="Footer Placeholder 12">
-            <a:extLst>
-              <a:ext uri="{FF2B5EF4-FFF2-40B4-BE49-F238E27FC236}">
-                <a16:creationId xmlns:a16="http://schemas.microsoft.com/office/drawing/2014/main" id="{CD98C05F-CEC8-1F2F-3A45-7AC979DC4817}"/>
-              </a:ext>
-            </a:extLst>
-          </p:cNvPr>
+          <p:cNvPr id="13" name="Footer Placeholder 12"/>
           <p:cNvSpPr>
             <a:spLocks noGrp="1"/>
           </p:cNvSpPr>
@@ -5452,11 +4800,6 @@
         </p:txBody>
       </p:sp>
     </p:spTree>
-    <p:extLst>
-      <p:ext uri="{BB962C8B-B14F-4D97-AF65-F5344CB8AC3E}">
-        <p14:creationId xmlns:p14="http://schemas.microsoft.com/office/powerpoint/2010/main" val="2872167840"/>
-      </p:ext>
-    </p:extLst>
   </p:cSld>
   <p:clrMapOvr>
     <a:masterClrMapping/>
@@ -5491,26 +4834,11 @@
       </p:grpSpPr>
       <p:sp>
         <p:nvSpPr>
-          <p:cNvPr id="47" name="Rectangle 46">
-            <a:extLst>
-              <a:ext uri="{FF2B5EF4-FFF2-40B4-BE49-F238E27FC236}">
-                <a16:creationId xmlns:a16="http://schemas.microsoft.com/office/drawing/2014/main" id="{FBDCECDC-EEE3-4128-AA5E-82A8C08796E8}"/>
-              </a:ext>
-              <a:ext uri="{C183D7F6-B498-43B3-948B-1728B52AA6E4}">
-                <adec:decorative xmlns:adec="http://schemas.microsoft.com/office/drawing/2017/decorative" val="1"/>
-              </a:ext>
-            </a:extLst>
-          </p:cNvPr>
+          <p:cNvPr id="47" name="Rectangle 46"/>
           <p:cNvSpPr>
             <a:spLocks noGrp="1" noRot="1" noChangeAspect="1" noMove="1" noResize="1" noEditPoints="1" noAdjustHandles="1" noChangeArrowheads="1" noChangeShapeType="1" noTextEdit="1"/>
           </p:cNvSpPr>
-          <p:nvPr>
-            <p:extLst>
-              <p:ext uri="{386F3935-93C4-4BCD-93E2-E3B085C9AB24}">
-                <p16:designElem xmlns:p16="http://schemas.microsoft.com/office/powerpoint/2015/main" val="1"/>
-              </p:ext>
-            </p:extLst>
-          </p:nvPr>
+          <p:nvPr/>
         </p:nvSpPr>
         <p:spPr>
           <a:xfrm>
@@ -5554,26 +4882,11 @@
       </p:sp>
       <p:sp>
         <p:nvSpPr>
-          <p:cNvPr id="49" name="Rectangle 48">
-            <a:extLst>
-              <a:ext uri="{FF2B5EF4-FFF2-40B4-BE49-F238E27FC236}">
-                <a16:creationId xmlns:a16="http://schemas.microsoft.com/office/drawing/2014/main" id="{4260EDE0-989C-4E16-AF94-F652294D828E}"/>
-              </a:ext>
-              <a:ext uri="{C183D7F6-B498-43B3-948B-1728B52AA6E4}">
-                <adec:decorative xmlns:adec="http://schemas.microsoft.com/office/drawing/2017/decorative" val="1"/>
-              </a:ext>
-            </a:extLst>
-          </p:cNvPr>
+          <p:cNvPr id="49" name="Rectangle 48"/>
           <p:cNvSpPr>
             <a:spLocks noGrp="1" noRot="1" noChangeAspect="1" noMove="1" noResize="1" noEditPoints="1" noAdjustHandles="1" noChangeArrowheads="1" noChangeShapeType="1" noTextEdit="1"/>
           </p:cNvSpPr>
-          <p:nvPr>
-            <p:extLst>
-              <p:ext uri="{386F3935-93C4-4BCD-93E2-E3B085C9AB24}">
-                <p16:designElem xmlns:p16="http://schemas.microsoft.com/office/powerpoint/2015/main" val="1"/>
-              </p:ext>
-            </p:extLst>
-          </p:nvPr>
+          <p:nvPr/>
         </p:nvSpPr>
         <p:spPr bwMode="white">
           <a:xfrm>
@@ -5609,13 +4922,7 @@
       </p:sp>
       <p:sp>
         <p:nvSpPr>
-          <p:cNvPr id="5" name="Title 4">
-            <a:extLst>
-              <a:ext uri="{FF2B5EF4-FFF2-40B4-BE49-F238E27FC236}">
-                <a16:creationId xmlns:a16="http://schemas.microsoft.com/office/drawing/2014/main" id="{7C6AAC7A-EF5C-327F-140D-CC3C5D7B0518}"/>
-              </a:ext>
-            </a:extLst>
-          </p:cNvPr>
+          <p:cNvPr id="5" name="Title 4"/>
           <p:cNvSpPr>
             <a:spLocks noGrp="1"/>
           </p:cNvSpPr>
@@ -5646,13 +4953,7 @@
       </p:sp>
       <p:sp>
         <p:nvSpPr>
-          <p:cNvPr id="8" name="TextBox 7">
-            <a:extLst>
-              <a:ext uri="{FF2B5EF4-FFF2-40B4-BE49-F238E27FC236}">
-                <a16:creationId xmlns:a16="http://schemas.microsoft.com/office/drawing/2014/main" id="{877BF61C-ABBF-0EBD-92A7-E086CB41F0B0}"/>
-              </a:ext>
-            </a:extLst>
-          </p:cNvPr>
+          <p:cNvPr id="8" name="TextBox 7"/>
           <p:cNvSpPr txBox="1"/>
           <p:nvPr/>
         </p:nvSpPr>
@@ -5684,6 +4985,11 @@
               </a:rPr>
               <a:t>Chat-GPT API was used to generate all the summaries to train and finetune different models.</a:t>
             </a:r>
+            <a:endParaRPr lang="en-US" sz="2400" dirty="0">
+              <a:solidFill>
+                <a:schemeClr val="bg1"/>
+              </a:solidFill>
+            </a:endParaRPr>
           </a:p>
           <a:p>
             <a:pPr marL="457200" indent="-457200">
@@ -5698,25 +5004,24 @@
               </a:rPr>
               <a:t>~1189 rows with  grouped tweets and summaries were generated</a:t>
             </a:r>
+            <a:endParaRPr lang="en-US" sz="2400" dirty="0">
+              <a:solidFill>
+                <a:schemeClr val="bg1"/>
+              </a:solidFill>
+            </a:endParaRPr>
           </a:p>
         </p:txBody>
       </p:sp>
       <p:pic>
         <p:nvPicPr>
-          <p:cNvPr id="4" name="Picture 3">
-            <a:extLst>
-              <a:ext uri="{FF2B5EF4-FFF2-40B4-BE49-F238E27FC236}">
-                <a16:creationId xmlns:a16="http://schemas.microsoft.com/office/drawing/2014/main" id="{5FB0F81F-6D9E-F009-4739-08FCBE0C2F1A}"/>
-              </a:ext>
-            </a:extLst>
-          </p:cNvPr>
+          <p:cNvPr id="4" name="Picture 3"/>
           <p:cNvPicPr>
             <a:picLocks noChangeAspect="1"/>
           </p:cNvPicPr>
           <p:nvPr/>
         </p:nvPicPr>
         <p:blipFill>
-          <a:blip r:embed="rId2"/>
+          <a:blip r:embed="rId1"/>
           <a:stretch>
             <a:fillRect/>
           </a:stretch>
@@ -5733,13 +5038,7 @@
       </p:pic>
       <p:sp>
         <p:nvSpPr>
-          <p:cNvPr id="7" name="Slide Number Placeholder 6">
-            <a:extLst>
-              <a:ext uri="{FF2B5EF4-FFF2-40B4-BE49-F238E27FC236}">
-                <a16:creationId xmlns:a16="http://schemas.microsoft.com/office/drawing/2014/main" id="{FCF059F9-A29B-E8C5-AF49-46DE8D60D59E}"/>
-              </a:ext>
-            </a:extLst>
-          </p:cNvPr>
+          <p:cNvPr id="7" name="Slide Number Placeholder 6"/>
           <p:cNvSpPr>
             <a:spLocks noGrp="1"/>
           </p:cNvSpPr>
@@ -5754,7 +5053,6 @@
           <a:p>
             <a:fld id="{3A98EE3D-8CD1-4C3F-BD1C-C98C9596463C}" type="slidenum">
               <a:rPr lang="en-US" smtClean="0"/>
-              <a:t>4</a:t>
             </a:fld>
             <a:endParaRPr lang="en-US" dirty="0"/>
           </a:p>
@@ -5762,13 +5060,7 @@
       </p:sp>
       <p:sp>
         <p:nvSpPr>
-          <p:cNvPr id="10" name="Footer Placeholder 9">
-            <a:extLst>
-              <a:ext uri="{FF2B5EF4-FFF2-40B4-BE49-F238E27FC236}">
-                <a16:creationId xmlns:a16="http://schemas.microsoft.com/office/drawing/2014/main" id="{5F188C43-6B48-61F9-886E-0D95C4BBE99C}"/>
-              </a:ext>
-            </a:extLst>
-          </p:cNvPr>
+          <p:cNvPr id="10" name="Footer Placeholder 9"/>
           <p:cNvSpPr>
             <a:spLocks noGrp="1"/>
           </p:cNvSpPr>
@@ -5790,11 +5082,6 @@
         </p:txBody>
       </p:sp>
     </p:spTree>
-    <p:extLst>
-      <p:ext uri="{BB962C8B-B14F-4D97-AF65-F5344CB8AC3E}">
-        <p14:creationId xmlns:p14="http://schemas.microsoft.com/office/powerpoint/2010/main" val="270427594"/>
-      </p:ext>
-    </p:extLst>
   </p:cSld>
   <p:clrMapOvr>
     <a:masterClrMapping/>
@@ -5829,26 +5116,11 @@
       </p:grpSpPr>
       <p:sp>
         <p:nvSpPr>
-          <p:cNvPr id="47" name="Rectangle 46">
-            <a:extLst>
-              <a:ext uri="{FF2B5EF4-FFF2-40B4-BE49-F238E27FC236}">
-                <a16:creationId xmlns:a16="http://schemas.microsoft.com/office/drawing/2014/main" id="{FBDCECDC-EEE3-4128-AA5E-82A8C08796E8}"/>
-              </a:ext>
-              <a:ext uri="{C183D7F6-B498-43B3-948B-1728B52AA6E4}">
-                <adec:decorative xmlns:adec="http://schemas.microsoft.com/office/drawing/2017/decorative" val="1"/>
-              </a:ext>
-            </a:extLst>
-          </p:cNvPr>
+          <p:cNvPr id="47" name="Rectangle 46"/>
           <p:cNvSpPr>
             <a:spLocks noGrp="1" noRot="1" noChangeAspect="1" noMove="1" noResize="1" noEditPoints="1" noAdjustHandles="1" noChangeArrowheads="1" noChangeShapeType="1" noTextEdit="1"/>
           </p:cNvSpPr>
-          <p:nvPr>
-            <p:extLst>
-              <p:ext uri="{386F3935-93C4-4BCD-93E2-E3B085C9AB24}">
-                <p16:designElem xmlns:p16="http://schemas.microsoft.com/office/powerpoint/2015/main" val="1"/>
-              </p:ext>
-            </p:extLst>
-          </p:nvPr>
+          <p:nvPr/>
         </p:nvSpPr>
         <p:spPr>
           <a:xfrm>
@@ -5892,26 +5164,11 @@
       </p:sp>
       <p:sp>
         <p:nvSpPr>
-          <p:cNvPr id="49" name="Rectangle 48">
-            <a:extLst>
-              <a:ext uri="{FF2B5EF4-FFF2-40B4-BE49-F238E27FC236}">
-                <a16:creationId xmlns:a16="http://schemas.microsoft.com/office/drawing/2014/main" id="{4260EDE0-989C-4E16-AF94-F652294D828E}"/>
-              </a:ext>
-              <a:ext uri="{C183D7F6-B498-43B3-948B-1728B52AA6E4}">
-                <adec:decorative xmlns:adec="http://schemas.microsoft.com/office/drawing/2017/decorative" val="1"/>
-              </a:ext>
-            </a:extLst>
-          </p:cNvPr>
+          <p:cNvPr id="49" name="Rectangle 48"/>
           <p:cNvSpPr>
             <a:spLocks noGrp="1" noRot="1" noChangeAspect="1" noMove="1" noResize="1" noEditPoints="1" noAdjustHandles="1" noChangeArrowheads="1" noChangeShapeType="1" noTextEdit="1"/>
           </p:cNvSpPr>
-          <p:nvPr>
-            <p:extLst>
-              <p:ext uri="{386F3935-93C4-4BCD-93E2-E3B085C9AB24}">
-                <p16:designElem xmlns:p16="http://schemas.microsoft.com/office/powerpoint/2015/main" val="1"/>
-              </p:ext>
-            </p:extLst>
-          </p:nvPr>
+          <p:nvPr/>
         </p:nvSpPr>
         <p:spPr bwMode="white">
           <a:xfrm>
@@ -5947,13 +5204,7 @@
       </p:sp>
       <p:sp>
         <p:nvSpPr>
-          <p:cNvPr id="5" name="Title 4">
-            <a:extLst>
-              <a:ext uri="{FF2B5EF4-FFF2-40B4-BE49-F238E27FC236}">
-                <a16:creationId xmlns:a16="http://schemas.microsoft.com/office/drawing/2014/main" id="{7C6AAC7A-EF5C-327F-140D-CC3C5D7B0518}"/>
-              </a:ext>
-            </a:extLst>
-          </p:cNvPr>
+          <p:cNvPr id="5" name="Title 4"/>
           <p:cNvSpPr>
             <a:spLocks noGrp="1"/>
           </p:cNvSpPr>
@@ -5984,13 +5235,7 @@
       </p:sp>
       <p:sp>
         <p:nvSpPr>
-          <p:cNvPr id="8" name="TextBox 7">
-            <a:extLst>
-              <a:ext uri="{FF2B5EF4-FFF2-40B4-BE49-F238E27FC236}">
-                <a16:creationId xmlns:a16="http://schemas.microsoft.com/office/drawing/2014/main" id="{877BF61C-ABBF-0EBD-92A7-E086CB41F0B0}"/>
-              </a:ext>
-            </a:extLst>
-          </p:cNvPr>
+          <p:cNvPr id="8" name="TextBox 7"/>
           <p:cNvSpPr txBox="1"/>
           <p:nvPr/>
         </p:nvSpPr>
@@ -6022,6 +5267,11 @@
               </a:rPr>
               <a:t>T5-base with pre-trained embeddings were used to generate summaries.</a:t>
             </a:r>
+            <a:endParaRPr lang="en-US" sz="2400" dirty="0">
+              <a:solidFill>
+                <a:schemeClr val="bg1"/>
+              </a:solidFill>
+            </a:endParaRPr>
           </a:p>
           <a:p>
             <a:pPr marL="457200" indent="-457200">
@@ -6036,18 +5286,41 @@
               </a:rPr>
               <a:t>Rouge Score (rouge1) of ~0.12 was achieved.</a:t>
             </a:r>
+            <a:endParaRPr lang="en-US" sz="2400" dirty="0">
+              <a:solidFill>
+                <a:schemeClr val="bg1"/>
+              </a:solidFill>
+            </a:endParaRPr>
           </a:p>
         </p:txBody>
       </p:sp>
       <p:pic>
         <p:nvPicPr>
-          <p:cNvPr id="7" name="Picture 6">
-            <a:extLst>
-              <a:ext uri="{FF2B5EF4-FFF2-40B4-BE49-F238E27FC236}">
-                <a16:creationId xmlns:a16="http://schemas.microsoft.com/office/drawing/2014/main" id="{231AECB0-A9AB-92D1-9422-8B07682BA99E}"/>
-              </a:ext>
-            </a:extLst>
-          </p:cNvPr>
+          <p:cNvPr id="7" name="Picture 6"/>
+          <p:cNvPicPr>
+            <a:picLocks noChangeAspect="1"/>
+          </p:cNvPicPr>
+          <p:nvPr/>
+        </p:nvPicPr>
+        <p:blipFill>
+          <a:blip r:embed="rId1"/>
+          <a:stretch>
+            <a:fillRect/>
+          </a:stretch>
+        </p:blipFill>
+        <p:spPr>
+          <a:xfrm>
+            <a:off x="489449" y="3929427"/>
+            <a:ext cx="5448772" cy="937341"/>
+          </a:xfrm>
+          <a:prstGeom prst="rect">
+            <a:avLst/>
+          </a:prstGeom>
+        </p:spPr>
+      </p:pic>
+      <p:pic>
+        <p:nvPicPr>
+          <p:cNvPr id="12" name="Picture 11"/>
           <p:cNvPicPr>
             <a:picLocks noChangeAspect="1"/>
           </p:cNvPicPr>
@@ -6061,53 +5334,17 @@
         </p:blipFill>
         <p:spPr>
           <a:xfrm>
-            <a:off x="489449" y="3929427"/>
-            <a:ext cx="5448772" cy="937341"/>
+            <a:off x="6279781" y="2763467"/>
+            <a:ext cx="5524979" cy="3269263"/>
           </a:xfrm>
           <a:prstGeom prst="rect">
             <a:avLst/>
           </a:prstGeom>
         </p:spPr>
       </p:pic>
-      <p:pic>
-        <p:nvPicPr>
-          <p:cNvPr id="12" name="Picture 11">
-            <a:extLst>
-              <a:ext uri="{FF2B5EF4-FFF2-40B4-BE49-F238E27FC236}">
-                <a16:creationId xmlns:a16="http://schemas.microsoft.com/office/drawing/2014/main" id="{6B42000D-012E-BEBE-7E60-831389033436}"/>
-              </a:ext>
-            </a:extLst>
-          </p:cNvPr>
-          <p:cNvPicPr>
-            <a:picLocks noChangeAspect="1"/>
-          </p:cNvPicPr>
-          <p:nvPr/>
-        </p:nvPicPr>
-        <p:blipFill>
-          <a:blip r:embed="rId3"/>
-          <a:stretch>
-            <a:fillRect/>
-          </a:stretch>
-        </p:blipFill>
-        <p:spPr>
-          <a:xfrm>
-            <a:off x="6279781" y="2763467"/>
-            <a:ext cx="5524979" cy="3269263"/>
-          </a:xfrm>
-          <a:prstGeom prst="rect">
-            <a:avLst/>
-          </a:prstGeom>
-        </p:spPr>
-      </p:pic>
-      <p:sp>
-        <p:nvSpPr>
-          <p:cNvPr id="13" name="Slide Number Placeholder 12">
-            <a:extLst>
-              <a:ext uri="{FF2B5EF4-FFF2-40B4-BE49-F238E27FC236}">
-                <a16:creationId xmlns:a16="http://schemas.microsoft.com/office/drawing/2014/main" id="{A2EEC207-F321-61BA-DE1B-27DAFF849315}"/>
-              </a:ext>
-            </a:extLst>
-          </p:cNvPr>
+      <p:sp>
+        <p:nvSpPr>
+          <p:cNvPr id="13" name="Slide Number Placeholder 12"/>
           <p:cNvSpPr>
             <a:spLocks noGrp="1"/>
           </p:cNvSpPr>
@@ -6122,7 +5359,6 @@
           <a:p>
             <a:fld id="{3A98EE3D-8CD1-4C3F-BD1C-C98C9596463C}" type="slidenum">
               <a:rPr lang="en-US" smtClean="0"/>
-              <a:t>5</a:t>
             </a:fld>
             <a:endParaRPr lang="en-US" dirty="0"/>
           </a:p>
@@ -6130,13 +5366,7 @@
       </p:sp>
       <p:sp>
         <p:nvSpPr>
-          <p:cNvPr id="14" name="Footer Placeholder 13">
-            <a:extLst>
-              <a:ext uri="{FF2B5EF4-FFF2-40B4-BE49-F238E27FC236}">
-                <a16:creationId xmlns:a16="http://schemas.microsoft.com/office/drawing/2014/main" id="{30922DF8-9A2C-32F1-3A80-40C6AC13952F}"/>
-              </a:ext>
-            </a:extLst>
-          </p:cNvPr>
+          <p:cNvPr id="14" name="Footer Placeholder 13"/>
           <p:cNvSpPr>
             <a:spLocks noGrp="1"/>
           </p:cNvSpPr>
@@ -6158,11 +5388,6 @@
         </p:txBody>
       </p:sp>
     </p:spTree>
-    <p:extLst>
-      <p:ext uri="{BB962C8B-B14F-4D97-AF65-F5344CB8AC3E}">
-        <p14:creationId xmlns:p14="http://schemas.microsoft.com/office/powerpoint/2010/main" val="1399713796"/>
-      </p:ext>
-    </p:extLst>
   </p:cSld>
   <p:clrMapOvr>
     <a:masterClrMapping/>
@@ -6197,26 +5422,11 @@
       </p:grpSpPr>
       <p:sp>
         <p:nvSpPr>
-          <p:cNvPr id="47" name="Rectangle 46">
-            <a:extLst>
-              <a:ext uri="{FF2B5EF4-FFF2-40B4-BE49-F238E27FC236}">
-                <a16:creationId xmlns:a16="http://schemas.microsoft.com/office/drawing/2014/main" id="{FBDCECDC-EEE3-4128-AA5E-82A8C08796E8}"/>
-              </a:ext>
-              <a:ext uri="{C183D7F6-B498-43B3-948B-1728B52AA6E4}">
-                <adec:decorative xmlns:adec="http://schemas.microsoft.com/office/drawing/2017/decorative" val="1"/>
-              </a:ext>
-            </a:extLst>
-          </p:cNvPr>
+          <p:cNvPr id="47" name="Rectangle 46"/>
           <p:cNvSpPr>
             <a:spLocks noGrp="1" noRot="1" noChangeAspect="1" noMove="1" noResize="1" noEditPoints="1" noAdjustHandles="1" noChangeArrowheads="1" noChangeShapeType="1" noTextEdit="1"/>
           </p:cNvSpPr>
-          <p:nvPr>
-            <p:extLst>
-              <p:ext uri="{386F3935-93C4-4BCD-93E2-E3B085C9AB24}">
-                <p16:designElem xmlns:p16="http://schemas.microsoft.com/office/powerpoint/2015/main" val="1"/>
-              </p:ext>
-            </p:extLst>
-          </p:nvPr>
+          <p:nvPr/>
         </p:nvSpPr>
         <p:spPr>
           <a:xfrm>
@@ -6260,26 +5470,11 @@
       </p:sp>
       <p:sp>
         <p:nvSpPr>
-          <p:cNvPr id="49" name="Rectangle 48">
-            <a:extLst>
-              <a:ext uri="{FF2B5EF4-FFF2-40B4-BE49-F238E27FC236}">
-                <a16:creationId xmlns:a16="http://schemas.microsoft.com/office/drawing/2014/main" id="{4260EDE0-989C-4E16-AF94-F652294D828E}"/>
-              </a:ext>
-              <a:ext uri="{C183D7F6-B498-43B3-948B-1728B52AA6E4}">
-                <adec:decorative xmlns:adec="http://schemas.microsoft.com/office/drawing/2017/decorative" val="1"/>
-              </a:ext>
-            </a:extLst>
-          </p:cNvPr>
+          <p:cNvPr id="49" name="Rectangle 48"/>
           <p:cNvSpPr>
             <a:spLocks noGrp="1" noRot="1" noChangeAspect="1" noMove="1" noResize="1" noEditPoints="1" noAdjustHandles="1" noChangeArrowheads="1" noChangeShapeType="1" noTextEdit="1"/>
           </p:cNvSpPr>
-          <p:nvPr>
-            <p:extLst>
-              <p:ext uri="{386F3935-93C4-4BCD-93E2-E3B085C9AB24}">
-                <p16:designElem xmlns:p16="http://schemas.microsoft.com/office/powerpoint/2015/main" val="1"/>
-              </p:ext>
-            </p:extLst>
-          </p:nvPr>
+          <p:nvPr/>
         </p:nvSpPr>
         <p:spPr bwMode="white">
           <a:xfrm>
@@ -6315,13 +5510,7 @@
       </p:sp>
       <p:sp>
         <p:nvSpPr>
-          <p:cNvPr id="5" name="Title 4">
-            <a:extLst>
-              <a:ext uri="{FF2B5EF4-FFF2-40B4-BE49-F238E27FC236}">
-                <a16:creationId xmlns:a16="http://schemas.microsoft.com/office/drawing/2014/main" id="{7C6AAC7A-EF5C-327F-140D-CC3C5D7B0518}"/>
-              </a:ext>
-            </a:extLst>
-          </p:cNvPr>
+          <p:cNvPr id="5" name="Title 4"/>
           <p:cNvSpPr>
             <a:spLocks noGrp="1"/>
           </p:cNvSpPr>
@@ -6352,13 +5541,7 @@
       </p:sp>
       <p:sp>
         <p:nvSpPr>
-          <p:cNvPr id="8" name="TextBox 7">
-            <a:extLst>
-              <a:ext uri="{FF2B5EF4-FFF2-40B4-BE49-F238E27FC236}">
-                <a16:creationId xmlns:a16="http://schemas.microsoft.com/office/drawing/2014/main" id="{877BF61C-ABBF-0EBD-92A7-E086CB41F0B0}"/>
-              </a:ext>
-            </a:extLst>
-          </p:cNvPr>
+          <p:cNvPr id="8" name="TextBox 7"/>
           <p:cNvSpPr txBox="1"/>
           <p:nvPr/>
         </p:nvSpPr>
@@ -6390,6 +5573,11 @@
               </a:rPr>
               <a:t>T5-base post finetuning embeddings for 30 epochs.</a:t>
             </a:r>
+            <a:endParaRPr lang="en-US" sz="2400" dirty="0">
+              <a:solidFill>
+                <a:schemeClr val="bg1"/>
+              </a:solidFill>
+            </a:endParaRPr>
           </a:p>
           <a:p>
             <a:pPr marL="457200" indent="-457200">
@@ -6404,18 +5592,41 @@
               </a:rPr>
               <a:t>Gave Rouge Score(rouge1) of ~0.40.</a:t>
             </a:r>
+            <a:endParaRPr lang="en-US" sz="2400" dirty="0">
+              <a:solidFill>
+                <a:schemeClr val="bg1"/>
+              </a:solidFill>
+            </a:endParaRPr>
           </a:p>
         </p:txBody>
       </p:sp>
       <p:pic>
         <p:nvPicPr>
-          <p:cNvPr id="3" name="Picture 2">
-            <a:extLst>
-              <a:ext uri="{FF2B5EF4-FFF2-40B4-BE49-F238E27FC236}">
-                <a16:creationId xmlns:a16="http://schemas.microsoft.com/office/drawing/2014/main" id="{5B1D3D3F-A4A2-491B-8F6D-EED1A4694EB5}"/>
-              </a:ext>
-            </a:extLst>
-          </p:cNvPr>
+          <p:cNvPr id="3" name="Picture 2"/>
+          <p:cNvPicPr>
+            <a:picLocks noChangeAspect="1"/>
+          </p:cNvPicPr>
+          <p:nvPr/>
+        </p:nvPicPr>
+        <p:blipFill>
+          <a:blip r:embed="rId1"/>
+          <a:stretch>
+            <a:fillRect/>
+          </a:stretch>
+        </p:blipFill>
+        <p:spPr>
+          <a:xfrm>
+            <a:off x="489449" y="2322401"/>
+            <a:ext cx="4519052" cy="1196444"/>
+          </a:xfrm>
+          <a:prstGeom prst="rect">
+            <a:avLst/>
+          </a:prstGeom>
+        </p:spPr>
+      </p:pic>
+      <p:pic>
+        <p:nvPicPr>
+          <p:cNvPr id="6" name="Picture 5"/>
           <p:cNvPicPr>
             <a:picLocks noChangeAspect="1"/>
           </p:cNvPicPr>
@@ -6429,53 +5640,17 @@
         </p:blipFill>
         <p:spPr>
           <a:xfrm>
-            <a:off x="489449" y="2322401"/>
-            <a:ext cx="4519052" cy="1196444"/>
+            <a:off x="6377256" y="2280487"/>
+            <a:ext cx="5425910" cy="2476715"/>
           </a:xfrm>
           <a:prstGeom prst="rect">
             <a:avLst/>
           </a:prstGeom>
         </p:spPr>
       </p:pic>
-      <p:pic>
-        <p:nvPicPr>
-          <p:cNvPr id="6" name="Picture 5">
-            <a:extLst>
-              <a:ext uri="{FF2B5EF4-FFF2-40B4-BE49-F238E27FC236}">
-                <a16:creationId xmlns:a16="http://schemas.microsoft.com/office/drawing/2014/main" id="{A63D4395-3E1D-7141-B562-A9A5AD3C70EA}"/>
-              </a:ext>
-            </a:extLst>
-          </p:cNvPr>
-          <p:cNvPicPr>
-            <a:picLocks noChangeAspect="1"/>
-          </p:cNvPicPr>
-          <p:nvPr/>
-        </p:nvPicPr>
-        <p:blipFill>
-          <a:blip r:embed="rId3"/>
-          <a:stretch>
-            <a:fillRect/>
-          </a:stretch>
-        </p:blipFill>
-        <p:spPr>
-          <a:xfrm>
-            <a:off x="6377256" y="2280487"/>
-            <a:ext cx="5425910" cy="2476715"/>
-          </a:xfrm>
-          <a:prstGeom prst="rect">
-            <a:avLst/>
-          </a:prstGeom>
-        </p:spPr>
-      </p:pic>
-      <p:sp>
-        <p:nvSpPr>
-          <p:cNvPr id="9" name="Slide Number Placeholder 8">
-            <a:extLst>
-              <a:ext uri="{FF2B5EF4-FFF2-40B4-BE49-F238E27FC236}">
-                <a16:creationId xmlns:a16="http://schemas.microsoft.com/office/drawing/2014/main" id="{8A863B65-0040-7D5F-68D0-493ACD9309AD}"/>
-              </a:ext>
-            </a:extLst>
-          </p:cNvPr>
+      <p:sp>
+        <p:nvSpPr>
+          <p:cNvPr id="9" name="Slide Number Placeholder 8"/>
           <p:cNvSpPr>
             <a:spLocks noGrp="1"/>
           </p:cNvSpPr>
@@ -6490,7 +5665,6 @@
           <a:p>
             <a:fld id="{3A98EE3D-8CD1-4C3F-BD1C-C98C9596463C}" type="slidenum">
               <a:rPr lang="en-US" smtClean="0"/>
-              <a:t>6</a:t>
             </a:fld>
             <a:endParaRPr lang="en-US" dirty="0"/>
           </a:p>
@@ -6498,13 +5672,7 @@
       </p:sp>
       <p:sp>
         <p:nvSpPr>
-          <p:cNvPr id="10" name="Footer Placeholder 9">
-            <a:extLst>
-              <a:ext uri="{FF2B5EF4-FFF2-40B4-BE49-F238E27FC236}">
-                <a16:creationId xmlns:a16="http://schemas.microsoft.com/office/drawing/2014/main" id="{1FE2ADA9-A1C2-847F-E23E-0CE3B640F750}"/>
-              </a:ext>
-            </a:extLst>
-          </p:cNvPr>
+          <p:cNvPr id="10" name="Footer Placeholder 9"/>
           <p:cNvSpPr>
             <a:spLocks noGrp="1"/>
           </p:cNvSpPr>
@@ -6526,11 +5694,6 @@
         </p:txBody>
       </p:sp>
     </p:spTree>
-    <p:extLst>
-      <p:ext uri="{BB962C8B-B14F-4D97-AF65-F5344CB8AC3E}">
-        <p14:creationId xmlns:p14="http://schemas.microsoft.com/office/powerpoint/2010/main" val="4025626555"/>
-      </p:ext>
-    </p:extLst>
   </p:cSld>
   <p:clrMapOvr>
     <a:masterClrMapping/>
@@ -6565,26 +5728,11 @@
       </p:grpSpPr>
       <p:sp>
         <p:nvSpPr>
-          <p:cNvPr id="47" name="Rectangle 46">
-            <a:extLst>
-              <a:ext uri="{FF2B5EF4-FFF2-40B4-BE49-F238E27FC236}">
-                <a16:creationId xmlns:a16="http://schemas.microsoft.com/office/drawing/2014/main" id="{FBDCECDC-EEE3-4128-AA5E-82A8C08796E8}"/>
-              </a:ext>
-              <a:ext uri="{C183D7F6-B498-43B3-948B-1728B52AA6E4}">
-                <adec:decorative xmlns:adec="http://schemas.microsoft.com/office/drawing/2017/decorative" val="1"/>
-              </a:ext>
-            </a:extLst>
-          </p:cNvPr>
+          <p:cNvPr id="47" name="Rectangle 46"/>
           <p:cNvSpPr>
             <a:spLocks noGrp="1" noRot="1" noChangeAspect="1" noMove="1" noResize="1" noEditPoints="1" noAdjustHandles="1" noChangeArrowheads="1" noChangeShapeType="1" noTextEdit="1"/>
           </p:cNvSpPr>
-          <p:nvPr>
-            <p:extLst>
-              <p:ext uri="{386F3935-93C4-4BCD-93E2-E3B085C9AB24}">
-                <p16:designElem xmlns:p16="http://schemas.microsoft.com/office/powerpoint/2015/main" val="1"/>
-              </p:ext>
-            </p:extLst>
-          </p:nvPr>
+          <p:nvPr/>
         </p:nvSpPr>
         <p:spPr>
           <a:xfrm>
@@ -6628,26 +5776,11 @@
       </p:sp>
       <p:sp>
         <p:nvSpPr>
-          <p:cNvPr id="49" name="Rectangle 48">
-            <a:extLst>
-              <a:ext uri="{FF2B5EF4-FFF2-40B4-BE49-F238E27FC236}">
-                <a16:creationId xmlns:a16="http://schemas.microsoft.com/office/drawing/2014/main" id="{4260EDE0-989C-4E16-AF94-F652294D828E}"/>
-              </a:ext>
-              <a:ext uri="{C183D7F6-B498-43B3-948B-1728B52AA6E4}">
-                <adec:decorative xmlns:adec="http://schemas.microsoft.com/office/drawing/2017/decorative" val="1"/>
-              </a:ext>
-            </a:extLst>
-          </p:cNvPr>
+          <p:cNvPr id="49" name="Rectangle 48"/>
           <p:cNvSpPr>
             <a:spLocks noGrp="1" noRot="1" noChangeAspect="1" noMove="1" noResize="1" noEditPoints="1" noAdjustHandles="1" noChangeArrowheads="1" noChangeShapeType="1" noTextEdit="1"/>
           </p:cNvSpPr>
-          <p:nvPr>
-            <p:extLst>
-              <p:ext uri="{386F3935-93C4-4BCD-93E2-E3B085C9AB24}">
-                <p16:designElem xmlns:p16="http://schemas.microsoft.com/office/powerpoint/2015/main" val="1"/>
-              </p:ext>
-            </p:extLst>
-          </p:nvPr>
+          <p:nvPr/>
         </p:nvSpPr>
         <p:spPr bwMode="white">
           <a:xfrm>
@@ -6683,13 +5816,7 @@
       </p:sp>
       <p:sp>
         <p:nvSpPr>
-          <p:cNvPr id="5" name="Title 4">
-            <a:extLst>
-              <a:ext uri="{FF2B5EF4-FFF2-40B4-BE49-F238E27FC236}">
-                <a16:creationId xmlns:a16="http://schemas.microsoft.com/office/drawing/2014/main" id="{7C6AAC7A-EF5C-327F-140D-CC3C5D7B0518}"/>
-              </a:ext>
-            </a:extLst>
-          </p:cNvPr>
+          <p:cNvPr id="5" name="Title 4"/>
           <p:cNvSpPr>
             <a:spLocks noGrp="1"/>
           </p:cNvSpPr>
@@ -6699,7 +5826,7 @@
         </p:nvSpPr>
         <p:spPr>
           <a:xfrm>
-            <a:off x="909021" y="46037"/>
+            <a:off x="909021" y="26553"/>
             <a:ext cx="10058400" cy="926413"/>
           </a:xfrm>
         </p:spPr>
@@ -6711,29 +5838,23 @@
           <a:p>
             <a:pPr algn="ctr"/>
             <a:r>
-              <a:rPr lang="en-US" sz="4800" dirty="0"/>
-              <a:t>References</a:t>
-            </a:r>
-            <a:endParaRPr lang="en-IN" sz="4800" dirty="0"/>
-          </a:p>
-        </p:txBody>
-      </p:sp>
-      <p:sp>
-        <p:nvSpPr>
-          <p:cNvPr id="8" name="TextBox 7">
-            <a:extLst>
-              <a:ext uri="{FF2B5EF4-FFF2-40B4-BE49-F238E27FC236}">
-                <a16:creationId xmlns:a16="http://schemas.microsoft.com/office/drawing/2014/main" id="{877BF61C-ABBF-0EBD-92A7-E086CB41F0B0}"/>
-              </a:ext>
-            </a:extLst>
-          </p:cNvPr>
+              <a:rPr lang="en-US" altLang="en-IN" sz="4800" dirty="0"/>
+              <a:t>Summary Example</a:t>
+            </a:r>
+            <a:endParaRPr lang="en-US" altLang="en-IN" sz="4800" dirty="0"/>
+          </a:p>
+        </p:txBody>
+      </p:sp>
+      <p:sp>
+        <p:nvSpPr>
+          <p:cNvPr id="8" name="TextBox 7"/>
           <p:cNvSpPr txBox="1"/>
           <p:nvPr/>
         </p:nvSpPr>
         <p:spPr>
           <a:xfrm>
-            <a:off x="860594" y="1100307"/>
-            <a:ext cx="10470777" cy="1200329"/>
+            <a:off x="860594" y="1080823"/>
+            <a:ext cx="10470777" cy="1691640"/>
           </a:xfrm>
           <a:prstGeom prst="rect">
             <a:avLst/>
@@ -6750,21 +5871,29 @@
               <a:buFontTx/>
               <a:buChar char="-"/>
             </a:pPr>
+            <a:r>
+              <a:rPr lang="en-US" u="sng" dirty="0">
+                <a:solidFill>
+                  <a:schemeClr val="bg1"/>
+                </a:solidFill>
+              </a:rPr>
+              <a:t>ChatGPTs Summary</a:t>
+            </a:r>
             <a:r>
               <a:rPr lang="en-US" sz="2400" dirty="0">
                 <a:solidFill>
                   <a:schemeClr val="bg1"/>
                 </a:solidFill>
               </a:rPr>
-              <a:t>T5-base post </a:t>
-            </a:r>
-            <a:r>
-              <a:rPr lang="en-US" sz="2400" dirty="0" err="1">
+              <a:t>: </a:t>
+            </a:r>
+            <a:r>
+              <a:rPr lang="en-US" sz="1400" dirty="0">
                 <a:solidFill>
                   <a:schemeClr val="bg1"/>
                 </a:solidFill>
               </a:rPr>
-              <a:t>fineuning</a:t>
+              <a:t>India has gained a lot of goodwill around the world through its Vaccine Maitri diplomacy, which has helped India become known as the world's pharmacy. Indian Prime Minister Narendra Modi announced the Arogya Maitri Project, a global initiative to provide Covid-19 vaccines to countries in need. India has excelled in Disaster Diplomacy, VaccineMaitri, and huge operations for the evacuation of Indian citizens from crisis areas. India has donated 17,000 doses of vaccines to Nauru under the VaccineMaitri initiative, and has administered over 2.2 billion doses of Covid vaccine to its people and supplied it to over a 100 countries. India's VaccineMaitri is a model of India's global engagement.</a:t>
             </a:r>
             <a:r>
               <a:rPr lang="en-US" sz="2400" dirty="0">
@@ -6772,40 +5901,7 @@
                   <a:schemeClr val="bg1"/>
                 </a:solidFill>
               </a:rPr>
-              <a:t> embeddings for 30 epochs.</a:t>
-            </a:r>
-          </a:p>
-          <a:p>
-            <a:pPr marL="457200" indent="-457200">
-              <a:buFontTx/>
-              <a:buChar char="-"/>
-            </a:pPr>
-            <a:r>
-              <a:rPr lang="en-US" sz="2400" dirty="0">
-                <a:solidFill>
-                  <a:schemeClr val="bg1"/>
-                </a:solidFill>
-                <a:hlinkClick r:id="rId2"/>
-              </a:rPr>
-              <a:t>Introduction to Text Summarization with ROUGE Scores | by Tan </a:t>
-            </a:r>
-            <a:r>
-              <a:rPr lang="en-US" sz="2400" dirty="0" err="1">
-                <a:solidFill>
-                  <a:schemeClr val="bg1"/>
-                </a:solidFill>
-                <a:hlinkClick r:id="rId2"/>
-              </a:rPr>
-              <a:t>Pengshi</a:t>
-            </a:r>
-            <a:r>
-              <a:rPr lang="en-US" sz="2400" dirty="0">
-                <a:solidFill>
-                  <a:schemeClr val="bg1"/>
-                </a:solidFill>
-                <a:hlinkClick r:id="rId2"/>
-              </a:rPr>
-              <a:t> Alvin | Towards Data Science</a:t>
+              <a:t> </a:t>
             </a:r>
             <a:endParaRPr lang="en-US" sz="2400" dirty="0">
               <a:solidFill>
@@ -6817,13 +5913,7 @@
       </p:sp>
       <p:sp>
         <p:nvSpPr>
-          <p:cNvPr id="9" name="Slide Number Placeholder 8">
-            <a:extLst>
-              <a:ext uri="{FF2B5EF4-FFF2-40B4-BE49-F238E27FC236}">
-                <a16:creationId xmlns:a16="http://schemas.microsoft.com/office/drawing/2014/main" id="{8A863B65-0040-7D5F-68D0-493ACD9309AD}"/>
-              </a:ext>
-            </a:extLst>
-          </p:cNvPr>
+          <p:cNvPr id="9" name="Slide Number Placeholder 8"/>
           <p:cNvSpPr>
             <a:spLocks noGrp="1"/>
           </p:cNvSpPr>
@@ -6838,7 +5928,6 @@
           <a:p>
             <a:fld id="{3A98EE3D-8CD1-4C3F-BD1C-C98C9596463C}" type="slidenum">
               <a:rPr lang="en-US" smtClean="0"/>
-              <a:t>7</a:t>
             </a:fld>
             <a:endParaRPr lang="en-US" dirty="0"/>
           </a:p>
@@ -6846,13 +5935,7 @@
       </p:sp>
       <p:sp>
         <p:nvSpPr>
-          <p:cNvPr id="10" name="Footer Placeholder 9">
-            <a:extLst>
-              <a:ext uri="{FF2B5EF4-FFF2-40B4-BE49-F238E27FC236}">
-                <a16:creationId xmlns:a16="http://schemas.microsoft.com/office/drawing/2014/main" id="{1FE2ADA9-A1C2-847F-E23E-0CE3B640F750}"/>
-              </a:ext>
-            </a:extLst>
-          </p:cNvPr>
+          <p:cNvPr id="10" name="Footer Placeholder 9"/>
           <p:cNvSpPr>
             <a:spLocks noGrp="1"/>
           </p:cNvSpPr>
@@ -6873,12 +5956,64 @@
           </a:p>
         </p:txBody>
       </p:sp>
+      <p:sp>
+        <p:nvSpPr>
+          <p:cNvPr id="2" name="TextBox 7"/>
+          <p:cNvSpPr txBox="1"/>
+          <p:nvPr/>
+        </p:nvSpPr>
+        <p:spPr>
+          <a:xfrm>
+            <a:off x="855514" y="2731823"/>
+            <a:ext cx="10470777" cy="1198880"/>
+          </a:xfrm>
+          <a:prstGeom prst="rect">
+            <a:avLst/>
+          </a:prstGeom>
+          <a:noFill/>
+        </p:spPr>
+        <p:txBody>
+          <a:bodyPr wrap="square" rtlCol="0">
+            <a:spAutoFit/>
+          </a:bodyPr>
+          <a:p>
+            <a:pPr marL="457200" indent="-457200">
+              <a:buFontTx/>
+              <a:buChar char="-"/>
+            </a:pPr>
+            <a:r>
+              <a:rPr lang="en-US" u="sng" dirty="0">
+                <a:solidFill>
+                  <a:schemeClr val="bg1"/>
+                </a:solidFill>
+              </a:rPr>
+              <a:t>FineTuned T5 Summary</a:t>
+            </a:r>
+            <a:r>
+              <a:rPr lang="en-US" sz="2400" dirty="0">
+                <a:solidFill>
+                  <a:schemeClr val="bg1"/>
+                </a:solidFill>
+              </a:rPr>
+              <a:t>: </a:t>
+            </a:r>
+            <a:r>
+              <a:rPr lang="en-US" sz="1600" dirty="0">
+                <a:solidFill>
+                  <a:schemeClr val="bg1"/>
+                </a:solidFill>
+              </a:rPr>
+              <a:t>In recent years, India has gained a lot of goodwill around the world through its Vaccine Maitri diplomacy, which helped India become known as the world's pharmacy. Indian Prime Minister Narendra Modi even announced the Arogya Maitri Project. India today is a vaccine and pharmaceutical powerhouse, having administered over 2.2 billion doses of Covid vaccine to its people and supplying it to over 100 countries.</a:t>
+            </a:r>
+            <a:endParaRPr lang="en-US" sz="1600" dirty="0">
+              <a:solidFill>
+                <a:schemeClr val="bg1"/>
+              </a:solidFill>
+            </a:endParaRPr>
+          </a:p>
+        </p:txBody>
+      </p:sp>
     </p:spTree>
-    <p:extLst>
-      <p:ext uri="{BB962C8B-B14F-4D97-AF65-F5344CB8AC3E}">
-        <p14:creationId xmlns:p14="http://schemas.microsoft.com/office/powerpoint/2010/main" val="1268968786"/>
-      </p:ext>
-    </p:extLst>
   </p:cSld>
   <p:clrMapOvr>
     <a:masterClrMapping/>
@@ -6905,28 +6040,22 @@
       </p:grpSpPr>
       <p:pic>
         <p:nvPicPr>
-          <p:cNvPr id="8" name="Picture 7">
-            <a:extLst>
-              <a:ext uri="{FF2B5EF4-FFF2-40B4-BE49-F238E27FC236}">
-                <a16:creationId xmlns:a16="http://schemas.microsoft.com/office/drawing/2014/main" id="{38F02BCD-A9BE-5E2A-32D8-AED7DEAC7BFF}"/>
-              </a:ext>
-            </a:extLst>
-          </p:cNvPr>
+          <p:cNvPr id="8" name="Picture 7"/>
           <p:cNvPicPr>
             <a:picLocks noChangeAspect="1"/>
           </p:cNvPicPr>
           <p:nvPr/>
         </p:nvPicPr>
         <p:blipFill>
-          <a:blip r:embed="rId2"/>
+          <a:blip r:embed="rId1"/>
           <a:stretch>
             <a:fillRect/>
           </a:stretch>
         </p:blipFill>
         <p:spPr>
           <a:xfrm>
-            <a:off x="4593986" y="3799286"/>
-            <a:ext cx="7233956" cy="1051651"/>
+            <a:off x="1034415" y="3799205"/>
+            <a:ext cx="10793730" cy="1051560"/>
           </a:xfrm>
           <a:prstGeom prst="rect">
             <a:avLst/>
@@ -6935,13 +6064,7 @@
       </p:pic>
       <p:sp>
         <p:nvSpPr>
-          <p:cNvPr id="9" name="Slide Number Placeholder 8">
-            <a:extLst>
-              <a:ext uri="{FF2B5EF4-FFF2-40B4-BE49-F238E27FC236}">
-                <a16:creationId xmlns:a16="http://schemas.microsoft.com/office/drawing/2014/main" id="{889AB1B8-CF6E-47BF-4C30-EDF49137C2A3}"/>
-              </a:ext>
-            </a:extLst>
-          </p:cNvPr>
+          <p:cNvPr id="9" name="Slide Number Placeholder 8"/>
           <p:cNvSpPr>
             <a:spLocks noGrp="1"/>
           </p:cNvSpPr>
@@ -6956,7 +6079,6 @@
           <a:p>
             <a:fld id="{3A98EE3D-8CD1-4C3F-BD1C-C98C9596463C}" type="slidenum">
               <a:rPr lang="en-US" smtClean="0"/>
-              <a:t>8</a:t>
             </a:fld>
             <a:endParaRPr lang="en-US" dirty="0"/>
           </a:p>
@@ -6964,13 +6086,7 @@
       </p:sp>
       <p:sp>
         <p:nvSpPr>
-          <p:cNvPr id="10" name="Footer Placeholder 9">
-            <a:extLst>
-              <a:ext uri="{FF2B5EF4-FFF2-40B4-BE49-F238E27FC236}">
-                <a16:creationId xmlns:a16="http://schemas.microsoft.com/office/drawing/2014/main" id="{E5DF381E-8F5B-1992-71E7-0ED363AD6F15}"/>
-              </a:ext>
-            </a:extLst>
-          </p:cNvPr>
+          <p:cNvPr id="10" name="Footer Placeholder 9"/>
           <p:cNvSpPr>
             <a:spLocks noGrp="1"/>
           </p:cNvSpPr>
@@ -6993,16 +6109,8 @@
       </p:sp>
       <p:sp>
         <p:nvSpPr>
-          <p:cNvPr id="21" name="Title 4">
-            <a:extLst>
-              <a:ext uri="{FF2B5EF4-FFF2-40B4-BE49-F238E27FC236}">
-                <a16:creationId xmlns:a16="http://schemas.microsoft.com/office/drawing/2014/main" id="{DF48B7F6-8656-AAA6-2EF0-05FC3EF26E45}"/>
-              </a:ext>
-            </a:extLst>
-          </p:cNvPr>
-          <p:cNvSpPr txBox="1">
-            <a:spLocks/>
-          </p:cNvSpPr>
+          <p:cNvPr id="21" name="Title 4"/>
+          <p:cNvSpPr txBox="1"/>
           <p:nvPr/>
         </p:nvSpPr>
         <p:spPr>
@@ -7052,19 +6160,13 @@
       </p:sp>
       <p:sp>
         <p:nvSpPr>
-          <p:cNvPr id="22" name="TextBox 21">
-            <a:extLst>
-              <a:ext uri="{FF2B5EF4-FFF2-40B4-BE49-F238E27FC236}">
-                <a16:creationId xmlns:a16="http://schemas.microsoft.com/office/drawing/2014/main" id="{4BB46A95-E93D-B2B1-6CBB-455B86F6BCF9}"/>
-              </a:ext>
-            </a:extLst>
-          </p:cNvPr>
+          <p:cNvPr id="22" name="TextBox 21"/>
           <p:cNvSpPr txBox="1"/>
           <p:nvPr/>
         </p:nvSpPr>
         <p:spPr>
           <a:xfrm>
-            <a:off x="860594" y="1100307"/>
+            <a:off x="860594" y="2460477"/>
             <a:ext cx="10470777" cy="1200329"/>
           </a:xfrm>
           <a:prstGeom prst="rect">
@@ -7084,7 +6186,7 @@
             </a:pPr>
             <a:r>
               <a:rPr lang="en-US" sz="2400" dirty="0">
-                <a:hlinkClick r:id="rId3"/>
+                <a:hlinkClick r:id="rId2"/>
               </a:rPr>
               <a:t>Models - Hugging Face</a:t>
             </a:r>
@@ -7100,13 +6202,7 @@
                 <a:solidFill>
                   <a:srgbClr val="00B0F0"/>
                 </a:solidFill>
-                <a:hlinkClick r:id="rId4">
-                  <a:extLst>
-                    <a:ext uri="{A12FA001-AC4F-418D-AE19-62706E023703}">
-                      <ahyp:hlinkClr xmlns:ahyp="http://schemas.microsoft.com/office/drawing/2018/hyperlinkcolor" val="tx"/>
-                    </a:ext>
-                  </a:extLst>
-                </a:hlinkClick>
+                <a:hlinkClick r:id="rId3"/>
               </a:rPr>
               <a:t>Introduction to Text Summarization with ROUGE Scores | by Tan </a:t>
             </a:r>
@@ -7115,13 +6211,7 @@
                 <a:solidFill>
                   <a:srgbClr val="00B0F0"/>
                 </a:solidFill>
-                <a:hlinkClick r:id="rId4">
-                  <a:extLst>
-                    <a:ext uri="{A12FA001-AC4F-418D-AE19-62706E023703}">
-                      <ahyp:hlinkClr xmlns:ahyp="http://schemas.microsoft.com/office/drawing/2018/hyperlinkcolor" val="tx"/>
-                    </a:ext>
-                  </a:extLst>
-                </a:hlinkClick>
+                <a:hlinkClick r:id="rId3"/>
               </a:rPr>
               <a:t>Pengshi</a:t>
             </a:r>
@@ -7138,13 +6228,13 @@
             </a:pPr>
             <a:r>
               <a:rPr lang="en-US" sz="2400" dirty="0">
-                <a:hlinkClick r:id="rId5"/>
+                <a:hlinkClick r:id="rId4"/>
               </a:rPr>
               <a:t>T5-base : </a:t>
             </a:r>
             <a:r>
               <a:rPr lang="en-US" sz="2400">
-                <a:hlinkClick r:id="rId5"/>
+                <a:hlinkClick r:id="rId4"/>
               </a:rPr>
               <a:t>Hugging face</a:t>
             </a:r>
@@ -7152,12 +6242,32 @@
           </a:p>
         </p:txBody>
       </p:sp>
+      <p:sp>
+        <p:nvSpPr>
+          <p:cNvPr id="2" name="Text Box 1"/>
+          <p:cNvSpPr txBox="1"/>
+          <p:nvPr/>
+        </p:nvSpPr>
+        <p:spPr>
+          <a:xfrm>
+            <a:off x="1543685" y="1071245"/>
+            <a:ext cx="309880" cy="368300"/>
+          </a:xfrm>
+          <a:prstGeom prst="rect">
+            <a:avLst/>
+          </a:prstGeom>
+          <a:noFill/>
+        </p:spPr>
+        <p:txBody>
+          <a:bodyPr wrap="none" rtlCol="0">
+            <a:spAutoFit/>
+          </a:bodyPr>
+          <a:p>
+            <a:endParaRPr lang="en-US"/>
+          </a:p>
+        </p:txBody>
+      </p:sp>
     </p:spTree>
-    <p:extLst>
-      <p:ext uri="{BB962C8B-B14F-4D97-AF65-F5344CB8AC3E}">
-        <p14:creationId xmlns:p14="http://schemas.microsoft.com/office/powerpoint/2010/main" val="3770877993"/>
-      </p:ext>
-    </p:extLst>
   </p:cSld>
   <p:clrMapOvr>
     <a:masterClrMapping/>
@@ -7184,13 +6294,7 @@
       </p:grpSpPr>
       <p:sp>
         <p:nvSpPr>
-          <p:cNvPr id="2" name="Title 1">
-            <a:extLst>
-              <a:ext uri="{FF2B5EF4-FFF2-40B4-BE49-F238E27FC236}">
-                <a16:creationId xmlns:a16="http://schemas.microsoft.com/office/drawing/2014/main" id="{78FD68DA-43BA-4508-8DE2-BA9BB7B2FA5B}"/>
-              </a:ext>
-            </a:extLst>
-          </p:cNvPr>
+          <p:cNvPr id="2" name="Title 1"/>
           <p:cNvSpPr>
             <a:spLocks noGrp="1"/>
           </p:cNvSpPr>
@@ -7214,18 +6318,44 @@
               <a:rPr lang="en-US" sz="5400" dirty="0"/>
               <a:t>Thank You</a:t>
             </a:r>
+            <a:endParaRPr lang="en-US" sz="5400" dirty="0"/>
           </a:p>
         </p:txBody>
       </p:sp>
       <p:pic>
         <p:nvPicPr>
-          <p:cNvPr id="8" name="Picture 7">
+          <p:cNvPr id="5" name="Picture 4" descr="A picture containing building, sitting, bench, side&#10;&#10;Description automatically generated"/>
+          <p:cNvPicPr>
+            <a:picLocks noChangeAspect="1"/>
+          </p:cNvPicPr>
+          <p:nvPr/>
+        </p:nvPicPr>
+        <p:blipFill rotWithShape="1">
+          <a:blip r:embed="rId1">
             <a:extLst>
-              <a:ext uri="{FF2B5EF4-FFF2-40B4-BE49-F238E27FC236}">
-                <a16:creationId xmlns:a16="http://schemas.microsoft.com/office/drawing/2014/main" id="{38F02BCD-A9BE-5E2A-32D8-AED7DEAC7BFF}"/>
+              <a:ext uri="{28A0092B-C50C-407E-A947-70E740481C1C}">
+                <a14:useLocalDpi xmlns:a14="http://schemas.microsoft.com/office/drawing/2010/main" val="0"/>
               </a:ext>
             </a:extLst>
-          </p:cNvPr>
+          </a:blip>
+          <a:srcRect/>
+          <a:stretch>
+            <a:fillRect/>
+          </a:stretch>
+        </p:blipFill>
+        <p:spPr>
+          <a:xfrm>
+            <a:off x="0" y="0"/>
+            <a:ext cx="4635315" cy="6857999"/>
+          </a:xfrm>
+          <a:prstGeom prst="rect">
+            <a:avLst/>
+          </a:prstGeom>
+        </p:spPr>
+      </p:pic>
+      <p:pic>
+        <p:nvPicPr>
+          <p:cNvPr id="8" name="Picture 7"/>
           <p:cNvPicPr>
             <a:picLocks noChangeAspect="1"/>
           </p:cNvPicPr>
@@ -7249,13 +6379,7 @@
       </p:pic>
       <p:sp>
         <p:nvSpPr>
-          <p:cNvPr id="9" name="Slide Number Placeholder 8">
-            <a:extLst>
-              <a:ext uri="{FF2B5EF4-FFF2-40B4-BE49-F238E27FC236}">
-                <a16:creationId xmlns:a16="http://schemas.microsoft.com/office/drawing/2014/main" id="{889AB1B8-CF6E-47BF-4C30-EDF49137C2A3}"/>
-              </a:ext>
-            </a:extLst>
-          </p:cNvPr>
+          <p:cNvPr id="9" name="Slide Number Placeholder 8"/>
           <p:cNvSpPr>
             <a:spLocks noGrp="1"/>
           </p:cNvSpPr>
@@ -7270,7 +6394,6 @@
           <a:p>
             <a:fld id="{3A98EE3D-8CD1-4C3F-BD1C-C98C9596463C}" type="slidenum">
               <a:rPr lang="en-US" smtClean="0"/>
-              <a:t>9</a:t>
             </a:fld>
             <a:endParaRPr lang="en-US" dirty="0"/>
           </a:p>
@@ -7278,13 +6401,7 @@
       </p:sp>
       <p:sp>
         <p:nvSpPr>
-          <p:cNvPr id="10" name="Footer Placeholder 9">
-            <a:extLst>
-              <a:ext uri="{FF2B5EF4-FFF2-40B4-BE49-F238E27FC236}">
-                <a16:creationId xmlns:a16="http://schemas.microsoft.com/office/drawing/2014/main" id="{E5DF381E-8F5B-1992-71E7-0ED363AD6F15}"/>
-              </a:ext>
-            </a:extLst>
-          </p:cNvPr>
+          <p:cNvPr id="10" name="Footer Placeholder 9"/>
           <p:cNvSpPr>
             <a:spLocks noGrp="1"/>
           </p:cNvSpPr>
@@ -7306,11 +6423,6 @@
         </p:txBody>
       </p:sp>
     </p:spTree>
-    <p:extLst>
-      <p:ext uri="{BB962C8B-B14F-4D97-AF65-F5344CB8AC3E}">
-        <p14:creationId xmlns:p14="http://schemas.microsoft.com/office/powerpoint/2010/main" val="1655527422"/>
-      </p:ext>
-    </p:extLst>
   </p:cSld>
   <p:clrMapOvr>
     <a:masterClrMapping/>
@@ -7361,7 +6473,7 @@
     </a:clrScheme>
     <a:fontScheme name="Retrospect">
       <a:majorFont>
-        <a:latin typeface="Bookman Old Style" panose="020F0302020204030204"/>
+        <a:latin typeface="Bookman Old Style"/>
         <a:ea typeface=""/>
         <a:cs typeface=""/>
         <a:font script="Jpan" typeface="ＭＳ Ｐゴシック"/>
@@ -7396,7 +6508,7 @@
         <a:font script="Geor" typeface="Sylfaen"/>
       </a:majorFont>
       <a:minorFont>
-        <a:latin typeface="Franklin Gothic Book" panose="020F0502020204030204"/>
+        <a:latin typeface="Franklin Gothic Book"/>
         <a:ea typeface=""/>
         <a:cs typeface=""/>
         <a:font script="Jpan" typeface="ＭＳ Ｐゴシック"/>
@@ -7591,11 +6703,9 @@
       </a:bgFillStyleLst>
     </a:fmtScheme>
   </a:themeElements>
-  <a:objectDefaults/>
-  <a:extraClrSchemeLst/>
   <a:extLst>
     <a:ext uri="{05A4C25C-085E-4340-85A3-A5531E510DB2}">
-      <thm15:themeFamily xmlns:thm15="http://schemas.microsoft.com/office/thememl/2012/main" name="TWO.pptx" id="{769520F8-BFE5-4C8C-A7AA-375C025A91CE}" vid="{AEAFD717-D3C8-4034-8F7E-D5220B0CCEB8}"/>
+      <thm15:themeFamily xmlns:thm15="http://schemas.microsoft.com/office/thememl/2012/main" name="Office Theme" id="{62F939B6-93AF-4DB8-9C6B-D6C7DFDC589F}" vid="{4A3C46E8-61CC-4603-A589-7422A47A8E4A}"/>
     </a:ext>
   </a:extLst>
 </a:theme>
@@ -7644,7 +6754,7 @@
     </a:clrScheme>
     <a:fontScheme name="Office">
       <a:majorFont>
-        <a:latin typeface="Calibri Light" panose="020F0302020204030204"/>
+        <a:latin typeface="Calibri Light"/>
         <a:ea typeface=""/>
         <a:cs typeface=""/>
         <a:font script="Jpan" typeface="游ゴシック Light"/>
@@ -7677,26 +6787,9 @@
         <a:font script="Viet" typeface="Times New Roman"/>
         <a:font script="Uigh" typeface="Microsoft Uighur"/>
         <a:font script="Geor" typeface="Sylfaen"/>
-        <a:font script="Armn" typeface="Arial"/>
-        <a:font script="Bugi" typeface="Leelawadee UI"/>
-        <a:font script="Bopo" typeface="Microsoft JhengHei"/>
-        <a:font script="Java" typeface="Javanese Text"/>
-        <a:font script="Lisu" typeface="Segoe UI"/>
-        <a:font script="Mymr" typeface="Myanmar Text"/>
-        <a:font script="Nkoo" typeface="Ebrima"/>
-        <a:font script="Olck" typeface="Nirmala UI"/>
-        <a:font script="Osma" typeface="Ebrima"/>
-        <a:font script="Phag" typeface="Phagspa"/>
-        <a:font script="Syrn" typeface="Estrangelo Edessa"/>
-        <a:font script="Syrj" typeface="Estrangelo Edessa"/>
-        <a:font script="Syre" typeface="Estrangelo Edessa"/>
-        <a:font script="Sora" typeface="Nirmala UI"/>
-        <a:font script="Tale" typeface="Microsoft Tai Le"/>
-        <a:font script="Talu" typeface="Microsoft New Tai Lue"/>
-        <a:font script="Tfng" typeface="Ebrima"/>
       </a:majorFont>
       <a:minorFont>
-        <a:latin typeface="Calibri" panose="020F0502020204030204"/>
+        <a:latin typeface="Calibri"/>
         <a:ea typeface=""/>
         <a:cs typeface=""/>
         <a:font script="Jpan" typeface="游ゴシック"/>
@@ -7729,23 +6822,6 @@
         <a:font script="Viet" typeface="Arial"/>
         <a:font script="Uigh" typeface="Microsoft Uighur"/>
         <a:font script="Geor" typeface="Sylfaen"/>
-        <a:font script="Armn" typeface="Arial"/>
-        <a:font script="Bugi" typeface="Leelawadee UI"/>
-        <a:font script="Bopo" typeface="Microsoft JhengHei"/>
-        <a:font script="Java" typeface="Javanese Text"/>
-        <a:font script="Lisu" typeface="Segoe UI"/>
-        <a:font script="Mymr" typeface="Myanmar Text"/>
-        <a:font script="Nkoo" typeface="Ebrima"/>
-        <a:font script="Olck" typeface="Nirmala UI"/>
-        <a:font script="Osma" typeface="Ebrima"/>
-        <a:font script="Phag" typeface="Phagspa"/>
-        <a:font script="Syrn" typeface="Estrangelo Edessa"/>
-        <a:font script="Syrj" typeface="Estrangelo Edessa"/>
-        <a:font script="Syre" typeface="Estrangelo Edessa"/>
-        <a:font script="Sora" typeface="Nirmala UI"/>
-        <a:font script="Tale" typeface="Microsoft Tai Le"/>
-        <a:font script="Talu" typeface="Microsoft New Tai Lue"/>
-        <a:font script="Tfng" typeface="Ebrima"/>
       </a:minorFont>
     </a:fontScheme>
     <a:fmtScheme name="Office">
@@ -7886,8 +6962,6 @@
       </a:bgFillStyleLst>
     </a:fmtScheme>
   </a:themeElements>
-  <a:objectDefaults/>
-  <a:extraClrSchemeLst/>
   <a:extLst>
     <a:ext uri="{05A4C25C-085E-4340-85A3-A5531E510DB2}">
       <thm15:themeFamily xmlns:thm15="http://schemas.microsoft.com/office/thememl/2012/main" name="Office Theme" id="{62F939B6-93AF-4DB8-9C6B-D6C7DFDC589F}" vid="{4A3C46E8-61CC-4603-A589-7422A47A8E4A}"/>
